--- a/presentation/presentation.pptx
+++ b/presentation/presentation.pptx
@@ -135,6 +135,9 @@
           </p14:sldIdLst>
         </p14:section>
       </p14:sectionLst>
+    </p:ext>
+    <p:ext uri="{EFAFB233-063F-42B5-8137-9DF3F51BA10A}">
+      <p15:sldGuideLst xmlns:p15="http://schemas.microsoft.com/office/powerpoint/2012/main"/>
     </p:ext>
   </p:extLst>
 </p:presentation>
@@ -4119,7 +4122,31 @@
                   <a:schemeClr val="bg1"/>
                 </a:solidFill>
               </a:rPr>
-              <a:t>RMI für Alternativ-Implementierung</a:t>
+              <a:t>RMI </a:t>
+            </a:r>
+            <a:r>
+              <a:rPr lang="de-AT" dirty="0" smtClean="0">
+                <a:solidFill>
+                  <a:schemeClr val="bg1"/>
+                </a:solidFill>
+              </a:rPr>
+              <a:t>als</a:t>
+            </a:r>
+            <a:r>
+              <a:rPr lang="de-AT" dirty="0" smtClean="0">
+                <a:solidFill>
+                  <a:schemeClr val="bg1"/>
+                </a:solidFill>
+              </a:rPr>
+              <a:t> </a:t>
+            </a:r>
+            <a:r>
+              <a:rPr lang="de-AT" dirty="0" smtClean="0">
+                <a:solidFill>
+                  <a:schemeClr val="bg1"/>
+                </a:solidFill>
+              </a:rPr>
+              <a:t>Alternativ-Implementierung</a:t>
             </a:r>
           </a:p>
           <a:p>
@@ -4147,6 +4174,26 @@
               </a:rPr>
               <a:t>Buildsystem</a:t>
             </a:r>
+            <a:endParaRPr lang="de-AT" dirty="0" smtClean="0">
+              <a:solidFill>
+                <a:schemeClr val="bg1"/>
+              </a:solidFill>
+            </a:endParaRPr>
+          </a:p>
+          <a:p>
+            <a:r>
+              <a:rPr lang="de-AT" dirty="0" smtClean="0">
+                <a:solidFill>
+                  <a:schemeClr val="bg1"/>
+                </a:solidFill>
+              </a:rPr>
+              <a:t>GIT als CVS</a:t>
+            </a:r>
+          </a:p>
+          <a:p>
+            <a:pPr marL="0" indent="0">
+              <a:buNone/>
+            </a:pPr>
             <a:endParaRPr lang="de-AT" dirty="0">
               <a:solidFill>
                 <a:schemeClr val="bg1"/>
@@ -6408,11 +6455,6 @@
               </a:rPr>
               <a:t>LOC/ZEIT</a:t>
             </a:r>
-            <a:endParaRPr lang="de-AT" dirty="0" smtClean="0">
-              <a:solidFill>
-                <a:schemeClr val="bg1"/>
-              </a:solidFill>
-            </a:endParaRPr>
           </a:p>
         </p:txBody>
       </p:sp>

--- a/presentation/presentation.pptx
+++ b/presentation/presentation.pptx
@@ -274,7 +274,7 @@
           <a:p>
             <a:fld id="{762D6E93-319D-4B40-8A38-9B7D9F67D47A}" type="datetimeFigureOut">
               <a:rPr lang="de-AT" smtClean="0"/>
-              <a:t>07.06.2015</a:t>
+              <a:t>20.06.2015</a:t>
             </a:fld>
             <a:endParaRPr lang="de-AT"/>
           </a:p>
@@ -444,7 +444,7 @@
           <a:p>
             <a:fld id="{762D6E93-319D-4B40-8A38-9B7D9F67D47A}" type="datetimeFigureOut">
               <a:rPr lang="de-AT" smtClean="0"/>
-              <a:t>07.06.2015</a:t>
+              <a:t>20.06.2015</a:t>
             </a:fld>
             <a:endParaRPr lang="de-AT"/>
           </a:p>
@@ -624,7 +624,7 @@
           <a:p>
             <a:fld id="{762D6E93-319D-4B40-8A38-9B7D9F67D47A}" type="datetimeFigureOut">
               <a:rPr lang="de-AT" smtClean="0"/>
-              <a:t>07.06.2015</a:t>
+              <a:t>20.06.2015</a:t>
             </a:fld>
             <a:endParaRPr lang="de-AT"/>
           </a:p>
@@ -794,7 +794,7 @@
           <a:p>
             <a:fld id="{762D6E93-319D-4B40-8A38-9B7D9F67D47A}" type="datetimeFigureOut">
               <a:rPr lang="de-AT" smtClean="0"/>
-              <a:t>07.06.2015</a:t>
+              <a:t>20.06.2015</a:t>
             </a:fld>
             <a:endParaRPr lang="de-AT"/>
           </a:p>
@@ -1040,7 +1040,7 @@
           <a:p>
             <a:fld id="{762D6E93-319D-4B40-8A38-9B7D9F67D47A}" type="datetimeFigureOut">
               <a:rPr lang="de-AT" smtClean="0"/>
-              <a:t>07.06.2015</a:t>
+              <a:t>20.06.2015</a:t>
             </a:fld>
             <a:endParaRPr lang="de-AT"/>
           </a:p>
@@ -1272,7 +1272,7 @@
           <a:p>
             <a:fld id="{762D6E93-319D-4B40-8A38-9B7D9F67D47A}" type="datetimeFigureOut">
               <a:rPr lang="de-AT" smtClean="0"/>
-              <a:t>07.06.2015</a:t>
+              <a:t>20.06.2015</a:t>
             </a:fld>
             <a:endParaRPr lang="de-AT"/>
           </a:p>
@@ -1639,7 +1639,7 @@
           <a:p>
             <a:fld id="{762D6E93-319D-4B40-8A38-9B7D9F67D47A}" type="datetimeFigureOut">
               <a:rPr lang="de-AT" smtClean="0"/>
-              <a:t>07.06.2015</a:t>
+              <a:t>20.06.2015</a:t>
             </a:fld>
             <a:endParaRPr lang="de-AT"/>
           </a:p>
@@ -1757,7 +1757,7 @@
           <a:p>
             <a:fld id="{762D6E93-319D-4B40-8A38-9B7D9F67D47A}" type="datetimeFigureOut">
               <a:rPr lang="de-AT" smtClean="0"/>
-              <a:t>07.06.2015</a:t>
+              <a:t>20.06.2015</a:t>
             </a:fld>
             <a:endParaRPr lang="de-AT"/>
           </a:p>
@@ -1852,7 +1852,7 @@
           <a:p>
             <a:fld id="{762D6E93-319D-4B40-8A38-9B7D9F67D47A}" type="datetimeFigureOut">
               <a:rPr lang="de-AT" smtClean="0"/>
-              <a:t>07.06.2015</a:t>
+              <a:t>20.06.2015</a:t>
             </a:fld>
             <a:endParaRPr lang="de-AT"/>
           </a:p>
@@ -2129,7 +2129,7 @@
           <a:p>
             <a:fld id="{762D6E93-319D-4B40-8A38-9B7D9F67D47A}" type="datetimeFigureOut">
               <a:rPr lang="de-AT" smtClean="0"/>
-              <a:t>07.06.2015</a:t>
+              <a:t>20.06.2015</a:t>
             </a:fld>
             <a:endParaRPr lang="de-AT"/>
           </a:p>
@@ -2382,7 +2382,7 @@
           <a:p>
             <a:fld id="{762D6E93-319D-4B40-8A38-9B7D9F67D47A}" type="datetimeFigureOut">
               <a:rPr lang="de-AT" smtClean="0"/>
-              <a:t>07.06.2015</a:t>
+              <a:t>20.06.2015</a:t>
             </a:fld>
             <a:endParaRPr lang="de-AT"/>
           </a:p>
@@ -2454,7 +2454,7 @@
           </a:blip>
           <a:srcRect/>
           <a:stretch>
-            <a:fillRect t="-9000"/>
+            <a:fillRect/>
           </a:stretch>
         </a:blipFill>
         <a:effectLst/>
@@ -2604,7 +2604,7 @@
           <a:p>
             <a:fld id="{762D6E93-319D-4B40-8A38-9B7D9F67D47A}" type="datetimeFigureOut">
               <a:rPr lang="de-AT" smtClean="0"/>
-              <a:t>07.06.2015</a:t>
+              <a:t>20.06.2015</a:t>
             </a:fld>
             <a:endParaRPr lang="de-AT"/>
           </a:p>
@@ -3095,7 +3095,7 @@
         </p:nvSpPr>
         <p:spPr>
           <a:xfrm>
-            <a:off x="987137" y="5870864"/>
+            <a:off x="953581" y="5929586"/>
             <a:ext cx="9608127" cy="830997"/>
           </a:xfrm>
           <a:prstGeom prst="rect">
@@ -3259,7 +3259,7 @@
         </p:nvSpPr>
         <p:spPr>
           <a:xfrm>
-            <a:off x="838200" y="1825625"/>
+            <a:off x="838200" y="1796362"/>
             <a:ext cx="10515600" cy="3816639"/>
           </a:xfrm>
         </p:spPr>
@@ -3275,7 +3275,7 @@
                   <a:schemeClr val="bg1"/>
                 </a:solidFill>
               </a:rPr>
-              <a:t>TBD</a:t>
+              <a:t>Architektur: Hohes Maß an Abstraktion nötig zur Elimination von Redundanzen in Haupt-/Alternativimplementierung </a:t>
             </a:r>
             <a:endParaRPr lang="de-AT" dirty="0">
               <a:solidFill>
@@ -3283,17 +3283,153 @@
               </a:solidFill>
             </a:endParaRPr>
           </a:p>
-        </p:txBody>
-      </p:sp>
-      <p:sp>
-        <p:nvSpPr>
-          <p:cNvPr id="4" name="Textfeld 3"/>
+          <a:p>
+            <a:pPr lvl="1"/>
+            <a:r>
+              <a:rPr lang="de-AT" dirty="0" smtClean="0">
+                <a:solidFill>
+                  <a:schemeClr val="bg1"/>
+                </a:solidFill>
+              </a:rPr>
+              <a:t>Mehrfaches </a:t>
+            </a:r>
+            <a:r>
+              <a:rPr lang="de-AT" dirty="0" err="1" smtClean="0">
+                <a:solidFill>
+                  <a:schemeClr val="bg1"/>
+                </a:solidFill>
+              </a:rPr>
+              <a:t>Refactoring</a:t>
+            </a:r>
+            <a:r>
+              <a:rPr lang="de-AT" dirty="0" smtClean="0">
+                <a:solidFill>
+                  <a:schemeClr val="bg1"/>
+                </a:solidFill>
+              </a:rPr>
+              <a:t> bis zur finalen Lösung</a:t>
+            </a:r>
+          </a:p>
+          <a:p>
+            <a:r>
+              <a:rPr lang="de-AT" dirty="0">
+                <a:solidFill>
+                  <a:schemeClr val="bg1"/>
+                </a:solidFill>
+              </a:rPr>
+              <a:t>Synchronisierung der 3 Broker-Threads:</a:t>
+            </a:r>
+          </a:p>
+          <a:p>
+            <a:pPr marL="457200" lvl="1" indent="0">
+              <a:buNone/>
+            </a:pPr>
+            <a:r>
+              <a:rPr lang="de-AT" dirty="0" err="1">
+                <a:solidFill>
+                  <a:schemeClr val="bg1"/>
+                </a:solidFill>
+              </a:rPr>
+              <a:t>TradeOrder</a:t>
+            </a:r>
+            <a:r>
+              <a:rPr lang="de-AT" dirty="0">
+                <a:solidFill>
+                  <a:schemeClr val="bg1"/>
+                </a:solidFill>
+              </a:rPr>
+              <a:t>-Abwicklung bei:</a:t>
+            </a:r>
+          </a:p>
+          <a:p>
+            <a:pPr marL="1371600" lvl="2" indent="-457200">
+              <a:buFont typeface="+mj-lt"/>
+              <a:buAutoNum type="arabicPeriod"/>
+            </a:pPr>
+            <a:r>
+              <a:rPr lang="de-AT" dirty="0">
+                <a:solidFill>
+                  <a:schemeClr val="bg1"/>
+                </a:solidFill>
+              </a:rPr>
+              <a:t>Neuen Stock-Ausgaben</a:t>
+            </a:r>
+          </a:p>
+          <a:p>
+            <a:pPr marL="1371600" lvl="2" indent="-457200">
+              <a:buFont typeface="+mj-lt"/>
+              <a:buAutoNum type="arabicPeriod"/>
+            </a:pPr>
+            <a:r>
+              <a:rPr lang="de-AT" dirty="0">
+                <a:solidFill>
+                  <a:schemeClr val="bg1"/>
+                </a:solidFill>
+              </a:rPr>
+              <a:t>Neue </a:t>
+            </a:r>
+            <a:r>
+              <a:rPr lang="de-AT" dirty="0" err="1">
+                <a:solidFill>
+                  <a:schemeClr val="bg1"/>
+                </a:solidFill>
+              </a:rPr>
+              <a:t>TradeOrders</a:t>
+            </a:r>
+            <a:endParaRPr lang="de-AT" dirty="0">
+              <a:solidFill>
+                <a:schemeClr val="bg1"/>
+              </a:solidFill>
+            </a:endParaRPr>
+          </a:p>
+          <a:p>
+            <a:pPr marL="1371600" lvl="2" indent="-457200">
+              <a:buFont typeface="+mj-lt"/>
+              <a:buAutoNum type="arabicPeriod"/>
+            </a:pPr>
+            <a:r>
+              <a:rPr lang="de-AT" dirty="0">
+                <a:solidFill>
+                  <a:schemeClr val="bg1"/>
+                </a:solidFill>
+              </a:rPr>
+              <a:t>Änderungen der </a:t>
+            </a:r>
+            <a:r>
+              <a:rPr lang="de-AT" dirty="0" err="1" smtClean="0">
+                <a:solidFill>
+                  <a:schemeClr val="bg1"/>
+                </a:solidFill>
+              </a:rPr>
+              <a:t>MarktSituation</a:t>
+            </a:r>
+            <a:endParaRPr lang="de-AT" dirty="0">
+              <a:solidFill>
+                <a:schemeClr val="bg1"/>
+              </a:solidFill>
+            </a:endParaRPr>
+          </a:p>
+          <a:p>
+            <a:r>
+              <a:rPr lang="de-AT" dirty="0" smtClean="0">
+                <a:solidFill>
+                  <a:schemeClr val="bg1"/>
+                </a:solidFill>
+              </a:rPr>
+              <a:t>Viel manuelles und redundantes Testen: Hoher Zeitaufwand</a:t>
+            </a:r>
+          </a:p>
+        </p:txBody>
+      </p:sp>
+      <p:sp>
+        <p:nvSpPr>
+          <p:cNvPr id="5" name="Textfeld 4"/>
           <p:cNvSpPr txBox="1"/>
           <p:nvPr/>
         </p:nvSpPr>
         <p:spPr>
           <a:xfrm>
-            <a:off x="987137" y="5870864"/>
+            <a:off x="953581" y="5929586"/>
             <a:ext cx="9608127" cy="830997"/>
           </a:xfrm>
           <a:prstGeom prst="rect">
@@ -3416,98 +3552,6 @@
       </p:grpSpPr>
       <p:sp>
         <p:nvSpPr>
-          <p:cNvPr id="4" name="Textfeld 3"/>
-          <p:cNvSpPr txBox="1"/>
-          <p:nvPr/>
-        </p:nvSpPr>
-        <p:spPr>
-          <a:xfrm>
-            <a:off x="987137" y="5870864"/>
-            <a:ext cx="9608127" cy="830997"/>
-          </a:xfrm>
-          <a:prstGeom prst="rect">
-            <a:avLst/>
-          </a:prstGeom>
-          <a:noFill/>
-        </p:spPr>
-        <p:txBody>
-          <a:bodyPr wrap="square" rtlCol="0">
-            <a:spAutoFit/>
-          </a:bodyPr>
-          <a:lstStyle/>
-          <a:p>
-            <a:r>
-              <a:rPr lang="de-AT" sz="1200" dirty="0" smtClean="0">
-                <a:solidFill>
-                  <a:schemeClr val="bg1"/>
-                </a:solidFill>
-              </a:rPr>
-              <a:t>Space </a:t>
-            </a:r>
-            <a:r>
-              <a:rPr lang="de-AT" sz="1200" dirty="0" err="1" smtClean="0">
-                <a:solidFill>
-                  <a:schemeClr val="bg1"/>
-                </a:solidFill>
-              </a:rPr>
-              <a:t>Based</a:t>
-            </a:r>
-            <a:r>
-              <a:rPr lang="de-AT" sz="1200" dirty="0" smtClean="0">
-                <a:solidFill>
-                  <a:schemeClr val="bg1"/>
-                </a:solidFill>
-              </a:rPr>
-              <a:t> Computing SS15</a:t>
-            </a:r>
-          </a:p>
-          <a:p>
-            <a:r>
-              <a:rPr lang="de-AT" sz="1200" dirty="0" smtClean="0">
-                <a:solidFill>
-                  <a:schemeClr val="bg1"/>
-                </a:solidFill>
-              </a:rPr>
-              <a:t>Endpräsentation</a:t>
-            </a:r>
-          </a:p>
-          <a:p>
-            <a:r>
-              <a:rPr lang="de-AT" sz="1200" dirty="0" err="1" smtClean="0">
-                <a:solidFill>
-                  <a:schemeClr val="bg1"/>
-                </a:solidFill>
-              </a:rPr>
-              <a:t>Riedmann</a:t>
-            </a:r>
-            <a:r>
-              <a:rPr lang="de-AT" sz="1200" dirty="0" smtClean="0">
-                <a:solidFill>
-                  <a:schemeClr val="bg1"/>
-                </a:solidFill>
-              </a:rPr>
-              <a:t>, Johannes - 0926649</a:t>
-            </a:r>
-          </a:p>
-          <a:p>
-            <a:r>
-              <a:rPr lang="de-AT" sz="1200" dirty="0" smtClean="0">
-                <a:solidFill>
-                  <a:schemeClr val="bg1"/>
-                </a:solidFill>
-              </a:rPr>
-              <a:t>Felix, Schuller - 1025256</a:t>
-            </a:r>
-            <a:endParaRPr lang="de-AT" sz="1200" dirty="0">
-              <a:solidFill>
-                <a:schemeClr val="bg1"/>
-              </a:solidFill>
-            </a:endParaRPr>
-          </a:p>
-        </p:txBody>
-      </p:sp>
-      <p:sp>
-        <p:nvSpPr>
           <p:cNvPr id="9" name="Rechteck 8"/>
           <p:cNvSpPr/>
           <p:nvPr/>
@@ -3552,6 +3596,98 @@
           <a:p>
             <a:pPr algn="ctr"/>
             <a:endParaRPr lang="de-AT"/>
+          </a:p>
+        </p:txBody>
+      </p:sp>
+      <p:sp>
+        <p:nvSpPr>
+          <p:cNvPr id="5" name="Textfeld 4"/>
+          <p:cNvSpPr txBox="1"/>
+          <p:nvPr/>
+        </p:nvSpPr>
+        <p:spPr>
+          <a:xfrm>
+            <a:off x="953581" y="5929586"/>
+            <a:ext cx="9608127" cy="830997"/>
+          </a:xfrm>
+          <a:prstGeom prst="rect">
+            <a:avLst/>
+          </a:prstGeom>
+          <a:noFill/>
+        </p:spPr>
+        <p:txBody>
+          <a:bodyPr wrap="square" rtlCol="0">
+            <a:spAutoFit/>
+          </a:bodyPr>
+          <a:lstStyle/>
+          <a:p>
+            <a:r>
+              <a:rPr lang="de-AT" sz="1200" dirty="0" smtClean="0">
+                <a:solidFill>
+                  <a:schemeClr val="bg1"/>
+                </a:solidFill>
+              </a:rPr>
+              <a:t>Space </a:t>
+            </a:r>
+            <a:r>
+              <a:rPr lang="de-AT" sz="1200" dirty="0" err="1" smtClean="0">
+                <a:solidFill>
+                  <a:schemeClr val="bg1"/>
+                </a:solidFill>
+              </a:rPr>
+              <a:t>Based</a:t>
+            </a:r>
+            <a:r>
+              <a:rPr lang="de-AT" sz="1200" dirty="0" smtClean="0">
+                <a:solidFill>
+                  <a:schemeClr val="bg1"/>
+                </a:solidFill>
+              </a:rPr>
+              <a:t> Computing SS15</a:t>
+            </a:r>
+          </a:p>
+          <a:p>
+            <a:r>
+              <a:rPr lang="de-AT" sz="1200" dirty="0" smtClean="0">
+                <a:solidFill>
+                  <a:schemeClr val="bg1"/>
+                </a:solidFill>
+              </a:rPr>
+              <a:t>Endpräsentation</a:t>
+            </a:r>
+          </a:p>
+          <a:p>
+            <a:r>
+              <a:rPr lang="de-AT" sz="1200" dirty="0" err="1" smtClean="0">
+                <a:solidFill>
+                  <a:schemeClr val="bg1"/>
+                </a:solidFill>
+              </a:rPr>
+              <a:t>Riedmann</a:t>
+            </a:r>
+            <a:r>
+              <a:rPr lang="de-AT" sz="1200" dirty="0" smtClean="0">
+                <a:solidFill>
+                  <a:schemeClr val="bg1"/>
+                </a:solidFill>
+              </a:rPr>
+              <a:t>, Johannes - 0926649</a:t>
+            </a:r>
+          </a:p>
+          <a:p>
+            <a:r>
+              <a:rPr lang="de-AT" sz="1200" dirty="0" smtClean="0">
+                <a:solidFill>
+                  <a:schemeClr val="bg1"/>
+                </a:solidFill>
+              </a:rPr>
+              <a:t>Felix, Schuller - 1025256</a:t>
+            </a:r>
+            <a:endParaRPr lang="de-AT" sz="1200" dirty="0">
+              <a:solidFill>
+                <a:schemeClr val="bg1"/>
+              </a:solidFill>
+            </a:endParaRPr>
           </a:p>
         </p:txBody>
       </p:sp>
@@ -3594,98 +3730,6 @@
       </p:grpSpPr>
       <p:sp>
         <p:nvSpPr>
-          <p:cNvPr id="4" name="Textfeld 3"/>
-          <p:cNvSpPr txBox="1"/>
-          <p:nvPr/>
-        </p:nvSpPr>
-        <p:spPr>
-          <a:xfrm>
-            <a:off x="987137" y="5870864"/>
-            <a:ext cx="9608127" cy="830997"/>
-          </a:xfrm>
-          <a:prstGeom prst="rect">
-            <a:avLst/>
-          </a:prstGeom>
-          <a:noFill/>
-        </p:spPr>
-        <p:txBody>
-          <a:bodyPr wrap="square" rtlCol="0">
-            <a:spAutoFit/>
-          </a:bodyPr>
-          <a:lstStyle/>
-          <a:p>
-            <a:r>
-              <a:rPr lang="de-AT" sz="1200" dirty="0" smtClean="0">
-                <a:solidFill>
-                  <a:schemeClr val="bg1"/>
-                </a:solidFill>
-              </a:rPr>
-              <a:t>Space </a:t>
-            </a:r>
-            <a:r>
-              <a:rPr lang="de-AT" sz="1200" dirty="0" err="1" smtClean="0">
-                <a:solidFill>
-                  <a:schemeClr val="bg1"/>
-                </a:solidFill>
-              </a:rPr>
-              <a:t>Based</a:t>
-            </a:r>
-            <a:r>
-              <a:rPr lang="de-AT" sz="1200" dirty="0" smtClean="0">
-                <a:solidFill>
-                  <a:schemeClr val="bg1"/>
-                </a:solidFill>
-              </a:rPr>
-              <a:t> Computing SS15</a:t>
-            </a:r>
-          </a:p>
-          <a:p>
-            <a:r>
-              <a:rPr lang="de-AT" sz="1200" dirty="0" smtClean="0">
-                <a:solidFill>
-                  <a:schemeClr val="bg1"/>
-                </a:solidFill>
-              </a:rPr>
-              <a:t>Endpräsentation</a:t>
-            </a:r>
-          </a:p>
-          <a:p>
-            <a:r>
-              <a:rPr lang="de-AT" sz="1200" dirty="0" err="1" smtClean="0">
-                <a:solidFill>
-                  <a:schemeClr val="bg1"/>
-                </a:solidFill>
-              </a:rPr>
-              <a:t>Riedmann</a:t>
-            </a:r>
-            <a:r>
-              <a:rPr lang="de-AT" sz="1200" dirty="0" smtClean="0">
-                <a:solidFill>
-                  <a:schemeClr val="bg1"/>
-                </a:solidFill>
-              </a:rPr>
-              <a:t>, Johannes - 0926649</a:t>
-            </a:r>
-          </a:p>
-          <a:p>
-            <a:r>
-              <a:rPr lang="de-AT" sz="1200" dirty="0" smtClean="0">
-                <a:solidFill>
-                  <a:schemeClr val="bg1"/>
-                </a:solidFill>
-              </a:rPr>
-              <a:t>Felix, Schuller - 1025256</a:t>
-            </a:r>
-            <a:endParaRPr lang="de-AT" sz="1200" dirty="0">
-              <a:solidFill>
-                <a:schemeClr val="bg1"/>
-              </a:solidFill>
-            </a:endParaRPr>
-          </a:p>
-        </p:txBody>
-      </p:sp>
-      <p:sp>
-        <p:nvSpPr>
           <p:cNvPr id="9" name="Rechteck 8"/>
           <p:cNvSpPr/>
           <p:nvPr/>
@@ -3744,8 +3788,66 @@
         </p:nvSpPr>
         <p:spPr>
           <a:xfrm>
-            <a:off x="4749317" y="2020715"/>
-            <a:ext cx="2693366" cy="1569660"/>
+            <a:off x="3871672" y="1682160"/>
+            <a:ext cx="4448655" cy="2246769"/>
+          </a:xfrm>
+          <a:prstGeom prst="rect">
+            <a:avLst/>
+          </a:prstGeom>
+          <a:noFill/>
+          <a:effectLst>
+            <a:glow rad="139700">
+              <a:schemeClr val="accent2">
+                <a:satMod val="175000"/>
+                <a:alpha val="40000"/>
+              </a:schemeClr>
+            </a:glow>
+          </a:effectLst>
+        </p:spPr>
+        <p:txBody>
+          <a:bodyPr wrap="none" rtlCol="0" anchor="ctr">
+            <a:spAutoFit/>
+          </a:bodyPr>
+          <a:lstStyle/>
+          <a:p>
+            <a:pPr algn="ctr"/>
+            <a:r>
+              <a:rPr lang="de-AT" sz="9600" dirty="0" smtClean="0">
+                <a:solidFill>
+                  <a:srgbClr val="FF2D2D"/>
+                </a:solidFill>
+              </a:rPr>
+              <a:t>Ende</a:t>
+            </a:r>
+          </a:p>
+          <a:p>
+            <a:pPr algn="ctr"/>
+            <a:r>
+              <a:rPr lang="de-AT" sz="4400" dirty="0" smtClean="0">
+                <a:solidFill>
+                  <a:srgbClr val="FF2D2D"/>
+                </a:solidFill>
+              </a:rPr>
+              <a:t>…und vielen Dank!</a:t>
+            </a:r>
+            <a:endParaRPr lang="de-AT" sz="4400" dirty="0">
+              <a:solidFill>
+                <a:srgbClr val="FF2D2D"/>
+              </a:solidFill>
+            </a:endParaRPr>
+          </a:p>
+        </p:txBody>
+      </p:sp>
+      <p:sp>
+        <p:nvSpPr>
+          <p:cNvPr id="5" name="Textfeld 4"/>
+          <p:cNvSpPr txBox="1"/>
+          <p:nvPr/>
+        </p:nvSpPr>
+        <p:spPr>
+          <a:xfrm>
+            <a:off x="953581" y="5929586"/>
+            <a:ext cx="9608127" cy="830997"/>
           </a:xfrm>
           <a:prstGeom prst="rect">
             <a:avLst/>
@@ -3753,22 +3855,76 @@
           <a:noFill/>
         </p:spPr>
         <p:txBody>
-          <a:bodyPr wrap="none" rtlCol="0">
+          <a:bodyPr wrap="square" rtlCol="0">
             <a:spAutoFit/>
           </a:bodyPr>
           <a:lstStyle/>
           <a:p>
             <a:r>
-              <a:rPr lang="de-AT" sz="9600" dirty="0" smtClean="0">
-                <a:solidFill>
-                  <a:srgbClr val="FF0000"/>
-                </a:solidFill>
-              </a:rPr>
-              <a:t>Ende</a:t>
-            </a:r>
-            <a:endParaRPr lang="de-AT" sz="9600" dirty="0">
+              <a:rPr lang="de-AT" sz="1200" dirty="0" smtClean="0">
+                <a:solidFill>
+                  <a:schemeClr val="bg1"/>
+                </a:solidFill>
+              </a:rPr>
+              <a:t>Space </a:t>
+            </a:r>
+            <a:r>
+              <a:rPr lang="de-AT" sz="1200" dirty="0" err="1" smtClean="0">
+                <a:solidFill>
+                  <a:schemeClr val="bg1"/>
+                </a:solidFill>
+              </a:rPr>
+              <a:t>Based</a:t>
+            </a:r>
+            <a:r>
+              <a:rPr lang="de-AT" sz="1200" dirty="0" smtClean="0">
+                <a:solidFill>
+                  <a:schemeClr val="bg1"/>
+                </a:solidFill>
+              </a:rPr>
+              <a:t> Computing SS15</a:t>
+            </a:r>
+          </a:p>
+          <a:p>
+            <a:r>
+              <a:rPr lang="de-AT" sz="1200" dirty="0" smtClean="0">
+                <a:solidFill>
+                  <a:schemeClr val="bg1"/>
+                </a:solidFill>
+              </a:rPr>
+              <a:t>Endpräsentation</a:t>
+            </a:r>
+          </a:p>
+          <a:p>
+            <a:r>
+              <a:rPr lang="de-AT" sz="1200" dirty="0" err="1" smtClean="0">
+                <a:solidFill>
+                  <a:schemeClr val="bg1"/>
+                </a:solidFill>
+              </a:rPr>
+              <a:t>Riedmann</a:t>
+            </a:r>
+            <a:r>
+              <a:rPr lang="de-AT" sz="1200" dirty="0" smtClean="0">
+                <a:solidFill>
+                  <a:schemeClr val="bg1"/>
+                </a:solidFill>
+              </a:rPr>
+              <a:t>, Johannes - 0926649</a:t>
+            </a:r>
+          </a:p>
+          <a:p>
+            <a:r>
+              <a:rPr lang="de-AT" sz="1200" dirty="0" smtClean="0">
+                <a:solidFill>
+                  <a:schemeClr val="bg1"/>
+                </a:solidFill>
+              </a:rPr>
+              <a:t>Felix, Schuller - 1025256</a:t>
+            </a:r>
+            <a:endParaRPr lang="de-AT" sz="1200" dirty="0">
               <a:solidFill>
-                <a:srgbClr val="FF0000"/>
+                <a:schemeClr val="bg1"/>
               </a:solidFill>
             </a:endParaRPr>
           </a:p>
@@ -3910,13 +4066,13 @@
       </p:sp>
       <p:sp>
         <p:nvSpPr>
-          <p:cNvPr id="4" name="Textfeld 3"/>
+          <p:cNvPr id="5" name="Textfeld 4"/>
           <p:cNvSpPr txBox="1"/>
           <p:nvPr/>
         </p:nvSpPr>
         <p:spPr>
           <a:xfrm>
-            <a:off x="987137" y="5870864"/>
+            <a:off x="953581" y="5929586"/>
             <a:ext cx="9608127" cy="830997"/>
           </a:xfrm>
           <a:prstGeom prst="rect">
@@ -4089,21 +4245,37 @@
           <a:lstStyle/>
           <a:p>
             <a:r>
-              <a:rPr lang="de-AT" dirty="0" smtClean="0">
-                <a:solidFill>
-                  <a:schemeClr val="bg1"/>
-                </a:solidFill>
-              </a:rPr>
-              <a:t>Java 1.8</a:t>
-            </a:r>
-          </a:p>
-          <a:p>
-            <a:r>
               <a:rPr lang="de-AT" dirty="0" err="1" smtClean="0">
                 <a:solidFill>
                   <a:schemeClr val="bg1"/>
                 </a:solidFill>
               </a:rPr>
+              <a:t>IntelliJ</a:t>
+            </a:r>
+            <a:r>
+              <a:rPr lang="de-AT" dirty="0" smtClean="0">
+                <a:solidFill>
+                  <a:schemeClr val="bg1"/>
+                </a:solidFill>
+              </a:rPr>
+              <a:t> IDE / Java </a:t>
+            </a:r>
+            <a:r>
+              <a:rPr lang="de-AT" dirty="0" smtClean="0">
+                <a:solidFill>
+                  <a:schemeClr val="bg1"/>
+                </a:solidFill>
+              </a:rPr>
+              <a:t>1.8</a:t>
+            </a:r>
+          </a:p>
+          <a:p>
+            <a:r>
+              <a:rPr lang="de-AT" dirty="0" err="1" smtClean="0">
+                <a:solidFill>
+                  <a:schemeClr val="bg1"/>
+                </a:solidFill>
+              </a:rPr>
               <a:t>MozartSpaces</a:t>
             </a:r>
             <a:r>
@@ -4112,67 +4284,42 @@
                   <a:schemeClr val="bg1"/>
                 </a:solidFill>
               </a:rPr>
-              <a:t> als Haupt-Implementierung</a:t>
-            </a:r>
-          </a:p>
-          <a:p>
-            <a:r>
-              <a:rPr lang="de-AT" dirty="0" smtClean="0">
-                <a:solidFill>
-                  <a:schemeClr val="bg1"/>
-                </a:solidFill>
-              </a:rPr>
-              <a:t>RMI </a:t>
-            </a:r>
-            <a:r>
-              <a:rPr lang="de-AT" dirty="0" smtClean="0">
-                <a:solidFill>
-                  <a:schemeClr val="bg1"/>
-                </a:solidFill>
-              </a:rPr>
-              <a:t>als</a:t>
-            </a:r>
-            <a:r>
-              <a:rPr lang="de-AT" dirty="0" smtClean="0">
-                <a:solidFill>
-                  <a:schemeClr val="bg1"/>
-                </a:solidFill>
-              </a:rPr>
-              <a:t> </a:t>
-            </a:r>
-            <a:r>
-              <a:rPr lang="de-AT" dirty="0" smtClean="0">
-                <a:solidFill>
-                  <a:schemeClr val="bg1"/>
-                </a:solidFill>
-              </a:rPr>
-              <a:t>Alternativ-Implementierung</a:t>
-            </a:r>
-          </a:p>
-          <a:p>
+              <a:t> (</a:t>
+            </a:r>
             <a:r>
               <a:rPr lang="de-AT" dirty="0" err="1" smtClean="0">
                 <a:solidFill>
                   <a:schemeClr val="bg1"/>
                 </a:solidFill>
               </a:rPr>
-              <a:t>Maven</a:t>
-            </a:r>
-            <a:r>
-              <a:rPr lang="de-AT" dirty="0" smtClean="0">
-                <a:solidFill>
-                  <a:schemeClr val="bg1"/>
-                </a:solidFill>
-              </a:rPr>
-              <a:t> als </a:t>
-            </a:r>
-            <a:r>
-              <a:rPr lang="de-AT" dirty="0" err="1" smtClean="0">
-                <a:solidFill>
-                  <a:schemeClr val="bg1"/>
-                </a:solidFill>
-              </a:rPr>
-              <a:t>Buildsystem</a:t>
+              <a:t>Xvsm</a:t>
+            </a:r>
+            <a:r>
+              <a:rPr lang="de-AT" dirty="0" smtClean="0">
+                <a:solidFill>
+                  <a:schemeClr val="bg1"/>
+                </a:solidFill>
+              </a:rPr>
+              <a:t>) für </a:t>
+            </a:r>
+            <a:r>
+              <a:rPr lang="de-AT" dirty="0" smtClean="0">
+                <a:solidFill>
+                  <a:schemeClr val="bg1"/>
+                </a:solidFill>
+              </a:rPr>
+              <a:t>Haupt-Implementierung</a:t>
+            </a:r>
+          </a:p>
+          <a:p>
+            <a:pPr lvl="1"/>
+            <a:r>
+              <a:rPr lang="de-AT" dirty="0" smtClean="0">
+                <a:solidFill>
+                  <a:schemeClr val="bg1"/>
+                </a:solidFill>
+              </a:rPr>
+              <a:t>Erschien als natürliche Lösung für Problemstellung (Börsen-Raum mit Depots mit Einträgen)</a:t>
             </a:r>
             <a:endParaRPr lang="de-AT" dirty="0" smtClean="0">
               <a:solidFill>
@@ -4187,13 +4334,74 @@
                   <a:schemeClr val="bg1"/>
                 </a:solidFill>
               </a:rPr>
-              <a:t>GIT als CVS</a:t>
-            </a:r>
-          </a:p>
-          <a:p>
-            <a:pPr marL="0" indent="0">
-              <a:buNone/>
-            </a:pPr>
+              <a:t>RMI für </a:t>
+            </a:r>
+            <a:r>
+              <a:rPr lang="de-AT" dirty="0" smtClean="0">
+                <a:solidFill>
+                  <a:schemeClr val="bg1"/>
+                </a:solidFill>
+              </a:rPr>
+              <a:t>Alternativ-Implementierung</a:t>
+            </a:r>
+          </a:p>
+          <a:p>
+            <a:pPr lvl="1"/>
+            <a:r>
+              <a:rPr lang="de-AT" dirty="0" smtClean="0">
+                <a:solidFill>
+                  <a:schemeClr val="bg1"/>
+                </a:solidFill>
+              </a:rPr>
+              <a:t>Bereits </a:t>
+            </a:r>
+            <a:r>
+              <a:rPr lang="de-AT" dirty="0">
+                <a:solidFill>
+                  <a:schemeClr val="bg1"/>
+                </a:solidFill>
+              </a:rPr>
+              <a:t>V</a:t>
+            </a:r>
+            <a:r>
+              <a:rPr lang="de-AT" dirty="0" smtClean="0">
+                <a:solidFill>
+                  <a:schemeClr val="bg1"/>
+                </a:solidFill>
+              </a:rPr>
+              <a:t>orerfahrungen mit RMI + komfortabler im Umgang als pure Sockets</a:t>
+            </a:r>
+            <a:endParaRPr lang="de-AT" dirty="0" smtClean="0">
+              <a:solidFill>
+                <a:schemeClr val="bg1"/>
+              </a:solidFill>
+            </a:endParaRPr>
+          </a:p>
+          <a:p>
+            <a:r>
+              <a:rPr lang="de-AT" dirty="0" err="1" smtClean="0">
+                <a:solidFill>
+                  <a:schemeClr val="bg1"/>
+                </a:solidFill>
+              </a:rPr>
+              <a:t>Maven</a:t>
+            </a:r>
+            <a:r>
+              <a:rPr lang="de-AT" dirty="0" smtClean="0">
+                <a:solidFill>
+                  <a:schemeClr val="bg1"/>
+                </a:solidFill>
+              </a:rPr>
+              <a:t> als </a:t>
+            </a:r>
+            <a:r>
+              <a:rPr lang="de-AT" dirty="0" err="1" smtClean="0">
+                <a:solidFill>
+                  <a:schemeClr val="bg1"/>
+                </a:solidFill>
+              </a:rPr>
+              <a:t>Buildsystem</a:t>
+            </a:r>
             <a:endParaRPr lang="de-AT" dirty="0">
               <a:solidFill>
                 <a:schemeClr val="bg1"/>
@@ -4204,13 +4412,13 @@
       </p:sp>
       <p:sp>
         <p:nvSpPr>
-          <p:cNvPr id="4" name="Textfeld 3"/>
+          <p:cNvPr id="5" name="Textfeld 4"/>
           <p:cNvSpPr txBox="1"/>
           <p:nvPr/>
         </p:nvSpPr>
         <p:spPr>
           <a:xfrm>
-            <a:off x="987137" y="5870864"/>
+            <a:off x="953581" y="5929586"/>
             <a:ext cx="9608127" cy="830997"/>
           </a:xfrm>
           <a:prstGeom prst="rect">
@@ -4390,18 +4598,39 @@
                   <a:schemeClr val="bg1"/>
                 </a:solidFill>
               </a:rPr>
-              <a:t>Factory-Pattern zur Erzeugung von Container</a:t>
-            </a:r>
+              <a:t>Factory-Pattern zur Erzeugung von </a:t>
+            </a:r>
+            <a:r>
+              <a:rPr lang="de-AT" i="1" dirty="0" smtClean="0">
+                <a:solidFill>
+                  <a:schemeClr val="accent6"/>
+                </a:solidFill>
+              </a:rPr>
+              <a:t>Containern</a:t>
+            </a:r>
+            <a:endParaRPr lang="de-AT" i="1" dirty="0" smtClean="0">
+              <a:solidFill>
+                <a:schemeClr val="bg1"/>
+              </a:solidFill>
+            </a:endParaRPr>
           </a:p>
           <a:p>
             <a:pPr lvl="1"/>
             <a:r>
               <a:rPr lang="de-AT" dirty="0" smtClean="0">
                 <a:solidFill>
-                  <a:schemeClr val="bg1"/>
-                </a:solidFill>
-              </a:rPr>
-              <a:t>Container = Abstraktion zur Verwaltung von </a:t>
+                  <a:schemeClr val="accent6"/>
+                </a:solidFill>
+              </a:rPr>
+              <a:t>Container</a:t>
+            </a:r>
+            <a:r>
+              <a:rPr lang="de-AT" dirty="0" smtClean="0">
+                <a:solidFill>
+                  <a:schemeClr val="bg1"/>
+                </a:solidFill>
+              </a:rPr>
+              <a:t> = Abstraktion zur Verwaltung von </a:t>
             </a:r>
             <a:r>
               <a:rPr lang="de-AT" dirty="0" err="1" smtClean="0">
@@ -4433,57 +4662,79 @@
                   <a:schemeClr val="bg1"/>
                 </a:solidFill>
               </a:rPr>
-              <a:t>, Stock, …)</a:t>
+              <a:t>, Stock, …) </a:t>
+            </a:r>
+            <a:r>
+              <a:rPr lang="de-AT" sz="1200" b="1" dirty="0" smtClean="0">
+                <a:solidFill>
+                  <a:srgbClr val="FF0000"/>
+                </a:solidFill>
+              </a:rPr>
+              <a:t>(≠ </a:t>
+            </a:r>
+            <a:r>
+              <a:rPr lang="de-AT" sz="1200" b="1" dirty="0" err="1" smtClean="0">
+                <a:solidFill>
+                  <a:srgbClr val="FF0000"/>
+                </a:solidFill>
+              </a:rPr>
+              <a:t>MozartSpaces.Container</a:t>
+            </a:r>
+            <a:r>
+              <a:rPr lang="de-AT" sz="1200" b="1" dirty="0" smtClean="0">
+                <a:solidFill>
+                  <a:srgbClr val="FF0000"/>
+                </a:solidFill>
+              </a:rPr>
+              <a:t>)</a:t>
+            </a:r>
+          </a:p>
+          <a:p>
+            <a:r>
+              <a:rPr lang="de-AT" dirty="0" smtClean="0">
+                <a:solidFill>
+                  <a:schemeClr val="bg1"/>
+                </a:solidFill>
+              </a:rPr>
+              <a:t>Services operieren auf Container</a:t>
             </a:r>
           </a:p>
           <a:p>
             <a:pPr lvl="1"/>
             <a:r>
+              <a:rPr lang="de-AT" dirty="0" smtClean="0">
+                <a:solidFill>
+                  <a:schemeClr val="bg1"/>
+                </a:solidFill>
+              </a:rPr>
+              <a:t>Implementationsunabhängigkeit</a:t>
+            </a:r>
+          </a:p>
+          <a:p>
+            <a:pPr lvl="1"/>
+            <a:r>
+              <a:rPr lang="de-AT" dirty="0" smtClean="0">
+                <a:solidFill>
+                  <a:schemeClr val="bg1"/>
+                </a:solidFill>
+              </a:rPr>
+              <a:t>Abstraktion von </a:t>
+            </a:r>
+            <a:r>
               <a:rPr lang="de-AT" dirty="0" err="1" smtClean="0">
                 <a:solidFill>
                   <a:schemeClr val="bg1"/>
                 </a:solidFill>
               </a:rPr>
-              <a:t>implementationsunabhängigiges</a:t>
-            </a:r>
-            <a:r>
-              <a:rPr lang="de-AT" dirty="0" smtClean="0">
-                <a:solidFill>
-                  <a:schemeClr val="bg1"/>
-                </a:solidFill>
-              </a:rPr>
-              <a:t> Transaktionsmanagement</a:t>
-            </a:r>
-          </a:p>
-          <a:p>
-            <a:r>
-              <a:rPr lang="de-AT" dirty="0" smtClean="0">
-                <a:solidFill>
-                  <a:schemeClr val="bg1"/>
-                </a:solidFill>
-              </a:rPr>
-              <a:t>Services operieren auf Container</a:t>
-            </a:r>
-          </a:p>
-          <a:p>
-            <a:pPr lvl="1"/>
-            <a:r>
-              <a:rPr lang="de-AT" dirty="0" smtClean="0">
-                <a:solidFill>
-                  <a:schemeClr val="bg1"/>
-                </a:solidFill>
-              </a:rPr>
-              <a:t>Implementationsunabhängigkeit </a:t>
-            </a:r>
-          </a:p>
-          <a:p>
-            <a:r>
-              <a:rPr lang="de-AT" dirty="0" smtClean="0">
-                <a:solidFill>
-                  <a:schemeClr val="bg1"/>
-                </a:solidFill>
-              </a:rPr>
-              <a:t>Abstraktion von </a:t>
+              <a:t>Notifications</a:t>
+            </a:r>
+            <a:r>
+              <a:rPr lang="de-AT" dirty="0" smtClean="0">
+                <a:solidFill>
+                  <a:schemeClr val="bg1"/>
+                </a:solidFill>
+              </a:rPr>
+              <a:t>/</a:t>
             </a:r>
             <a:r>
               <a:rPr lang="de-AT" dirty="0" err="1" smtClean="0">
@@ -4491,15 +4742,15 @@
                   <a:schemeClr val="bg1"/>
                 </a:solidFill>
               </a:rPr>
-              <a:t>Notifications</a:t>
-            </a:r>
-            <a:r>
-              <a:rPr lang="de-AT" dirty="0" smtClean="0">
-                <a:solidFill>
-                  <a:schemeClr val="bg1"/>
-                </a:solidFill>
-              </a:rPr>
-              <a:t>/</a:t>
+              <a:t>Callbacks</a:t>
+            </a:r>
+            <a:r>
+              <a:rPr lang="de-AT" dirty="0" smtClean="0">
+                <a:solidFill>
+                  <a:schemeClr val="bg1"/>
+                </a:solidFill>
+              </a:rPr>
+              <a:t> (</a:t>
             </a:r>
             <a:r>
               <a:rPr lang="de-AT" dirty="0" err="1" smtClean="0">
@@ -4507,31 +4758,33 @@
                   <a:schemeClr val="bg1"/>
                 </a:solidFill>
               </a:rPr>
-              <a:t>Callbacks</a:t>
-            </a:r>
-            <a:r>
-              <a:rPr lang="de-AT" dirty="0" smtClean="0">
-                <a:solidFill>
-                  <a:schemeClr val="bg1"/>
-                </a:solidFill>
-              </a:rPr>
-              <a:t> (</a:t>
-            </a:r>
+              <a:t>Subscriptions+Subscriber</a:t>
+            </a:r>
+            <a:r>
+              <a:rPr lang="de-AT" dirty="0" smtClean="0">
+                <a:solidFill>
+                  <a:schemeClr val="bg1"/>
+                </a:solidFill>
+              </a:rPr>
+              <a:t>)</a:t>
+            </a:r>
+          </a:p>
+          <a:p>
             <a:r>
               <a:rPr lang="de-AT" dirty="0" err="1" smtClean="0">
                 <a:solidFill>
                   <a:schemeClr val="bg1"/>
                 </a:solidFill>
               </a:rPr>
-              <a:t>Subscriptions+Subscriber</a:t>
-            </a:r>
-            <a:r>
-              <a:rPr lang="de-AT" dirty="0" smtClean="0">
-                <a:solidFill>
-                  <a:schemeClr val="bg1"/>
-                </a:solidFill>
-              </a:rPr>
-              <a:t>)</a:t>
+              <a:t>Util</a:t>
+            </a:r>
+            <a:r>
+              <a:rPr lang="de-AT" dirty="0" smtClean="0">
+                <a:solidFill>
+                  <a:schemeClr val="bg1"/>
+                </a:solidFill>
+              </a:rPr>
+              <a:t>-Klassen zur Containerverwaltung/Transaktionsmanagement</a:t>
             </a:r>
           </a:p>
         </p:txBody>
@@ -4570,13 +4823,13 @@
       </p:pic>
       <p:sp>
         <p:nvSpPr>
-          <p:cNvPr id="4" name="Textfeld 3"/>
+          <p:cNvPr id="7" name="Textfeld 6"/>
           <p:cNvSpPr txBox="1"/>
           <p:nvPr/>
         </p:nvSpPr>
         <p:spPr>
           <a:xfrm>
-            <a:off x="987137" y="5870864"/>
+            <a:off x="953581" y="5929586"/>
             <a:ext cx="9608127" cy="830997"/>
           </a:xfrm>
           <a:prstGeom prst="rect">
@@ -4746,7 +4999,7 @@
         </p:spPr>
         <p:txBody>
           <a:bodyPr>
-            <a:normAutofit lnSpcReduction="10000"/>
+            <a:normAutofit fontScale="92500" lnSpcReduction="20000"/>
           </a:bodyPr>
           <a:lstStyle/>
           <a:p>
@@ -4784,10 +5037,18 @@
             <a:r>
               <a:rPr lang="de-AT" dirty="0" smtClean="0">
                 <a:solidFill>
-                  <a:schemeClr val="bg1"/>
-                </a:solidFill>
-              </a:rPr>
-              <a:t>Container operieren auf </a:t>
+                  <a:schemeClr val="accent6"/>
+                </a:solidFill>
+              </a:rPr>
+              <a:t>Container</a:t>
+            </a:r>
+            <a:r>
+              <a:rPr lang="de-AT" dirty="0" smtClean="0">
+                <a:solidFill>
+                  <a:schemeClr val="bg1"/>
+                </a:solidFill>
+              </a:rPr>
+              <a:t> operieren auf </a:t>
             </a:r>
             <a:r>
               <a:rPr lang="de-AT" dirty="0" err="1" smtClean="0">
@@ -4819,47 +5080,7 @@
                   <a:schemeClr val="bg1"/>
                 </a:solidFill>
               </a:rPr>
-              <a:t>: Meist FIFO, </a:t>
-            </a:r>
-            <a:r>
-              <a:rPr lang="de-AT" dirty="0" err="1" smtClean="0">
-                <a:solidFill>
-                  <a:schemeClr val="bg1"/>
-                </a:solidFill>
-              </a:rPr>
-              <a:t>QueryCoordinator</a:t>
-            </a:r>
-            <a:r>
-              <a:rPr lang="de-AT" dirty="0" smtClean="0">
-                <a:solidFill>
-                  <a:schemeClr val="bg1"/>
-                </a:solidFill>
-              </a:rPr>
-              <a:t> für </a:t>
-            </a:r>
-            <a:r>
-              <a:rPr lang="de-AT" dirty="0" err="1" smtClean="0">
-                <a:solidFill>
-                  <a:schemeClr val="bg1"/>
-                </a:solidFill>
-              </a:rPr>
-              <a:t>TradeOrders</a:t>
-            </a:r>
-            <a:r>
-              <a:rPr lang="de-AT" dirty="0" smtClean="0">
-                <a:solidFill>
-                  <a:schemeClr val="bg1"/>
-                </a:solidFill>
-              </a:rPr>
-              <a:t>, Key/Query on </a:t>
-            </a:r>
-            <a:r>
-              <a:rPr lang="de-AT" dirty="0" err="1" smtClean="0">
-                <a:solidFill>
-                  <a:schemeClr val="bg1"/>
-                </a:solidFill>
-              </a:rPr>
-              <a:t>StockPrices</a:t>
+              <a:t>: </a:t>
             </a:r>
             <a:endParaRPr lang="de-AT" dirty="0" smtClean="0">
               <a:solidFill>
@@ -4868,22 +5089,57 @@
             </a:endParaRPr>
           </a:p>
           <a:p>
-            <a:pPr lvl="1"/>
-            <a:r>
-              <a:rPr lang="de-AT" dirty="0" smtClean="0">
-                <a:solidFill>
-                  <a:schemeClr val="bg1"/>
-                </a:solidFill>
-              </a:rPr>
-              <a:t>Company- und Investor-Depots dynamisch erstellt, alle anderen Container statisch bei </a:t>
-            </a:r>
+            <a:pPr lvl="2"/>
+            <a:r>
+              <a:rPr lang="de-AT" dirty="0" smtClean="0">
+                <a:solidFill>
+                  <a:schemeClr val="bg1"/>
+                </a:solidFill>
+              </a:rPr>
+              <a:t>FIFO: wenn Reihenfolge/Resultatmenge egal</a:t>
+            </a:r>
+          </a:p>
+          <a:p>
+            <a:pPr lvl="2"/>
             <a:r>
               <a:rPr lang="de-AT" dirty="0" err="1" smtClean="0">
                 <a:solidFill>
                   <a:schemeClr val="bg1"/>
                 </a:solidFill>
               </a:rPr>
-              <a:t>StartUp</a:t>
+              <a:t>QueryCoordinator</a:t>
+            </a:r>
+            <a:r>
+              <a:rPr lang="de-AT" dirty="0" smtClean="0">
+                <a:solidFill>
+                  <a:schemeClr val="bg1"/>
+                </a:solidFill>
+              </a:rPr>
+              <a:t>: </a:t>
+            </a:r>
+            <a:r>
+              <a:rPr lang="de-AT" dirty="0">
+                <a:solidFill>
+                  <a:schemeClr val="bg1"/>
+                </a:solidFill>
+              </a:rPr>
+              <a:t>F</a:t>
+            </a:r>
+            <a:r>
+              <a:rPr lang="de-AT" dirty="0" smtClean="0">
+                <a:solidFill>
+                  <a:schemeClr val="bg1"/>
+                </a:solidFill>
+              </a:rPr>
+              <a:t>ür </a:t>
+            </a:r>
+            <a:r>
+              <a:rPr lang="de-AT" dirty="0" err="1" smtClean="0">
+                <a:solidFill>
+                  <a:schemeClr val="bg1"/>
+                </a:solidFill>
+              </a:rPr>
+              <a:t>TradeOrders</a:t>
             </a:r>
             <a:endParaRPr lang="de-AT" dirty="0" smtClean="0">
               <a:solidFill>
@@ -4892,13 +5148,46 @@
             </a:endParaRPr>
           </a:p>
           <a:p>
-            <a:r>
-              <a:rPr lang="de-AT" dirty="0" smtClean="0">
-                <a:solidFill>
-                  <a:schemeClr val="bg1"/>
-                </a:solidFill>
-              </a:rPr>
-              <a:t>Post-Write </a:t>
+            <a:pPr lvl="2"/>
+            <a:r>
+              <a:rPr lang="de-AT" dirty="0" smtClean="0">
+                <a:solidFill>
+                  <a:schemeClr val="bg1"/>
+                </a:solidFill>
+              </a:rPr>
+              <a:t>Key-</a:t>
+            </a:r>
+            <a:r>
+              <a:rPr lang="de-AT" dirty="0">
+                <a:solidFill>
+                  <a:schemeClr val="bg1"/>
+                </a:solidFill>
+              </a:rPr>
+              <a:t>/</a:t>
+            </a:r>
+            <a:r>
+              <a:rPr lang="de-AT" dirty="0" err="1">
+                <a:solidFill>
+                  <a:schemeClr val="bg1"/>
+                </a:solidFill>
+              </a:rPr>
+              <a:t>QueryCoordinator</a:t>
+            </a:r>
+            <a:r>
+              <a:rPr lang="de-AT" dirty="0">
+                <a:solidFill>
+                  <a:schemeClr val="bg1"/>
+                </a:solidFill>
+              </a:rPr>
+              <a:t>: </a:t>
+            </a:r>
+            <a:r>
+              <a:rPr lang="de-AT" dirty="0" smtClean="0">
+                <a:solidFill>
+                  <a:schemeClr val="bg1"/>
+                </a:solidFill>
+              </a:rPr>
+              <a:t>Für </a:t>
             </a:r>
             <a:r>
               <a:rPr lang="de-AT" dirty="0" err="1" smtClean="0">
@@ -4906,15 +5195,15 @@
                   <a:schemeClr val="bg1"/>
                 </a:solidFill>
               </a:rPr>
-              <a:t>Aspects</a:t>
-            </a:r>
-            <a:r>
-              <a:rPr lang="de-AT" dirty="0" smtClean="0">
-                <a:solidFill>
-                  <a:schemeClr val="bg1"/>
-                </a:solidFill>
-              </a:rPr>
-              <a:t> auf </a:t>
+              <a:t>StockPrices</a:t>
+            </a:r>
+            <a:r>
+              <a:rPr lang="de-AT" dirty="0" smtClean="0">
+                <a:solidFill>
+                  <a:schemeClr val="bg1"/>
+                </a:solidFill>
+              </a:rPr>
+              <a:t> (identifizierbar per </a:t>
             </a:r>
             <a:r>
               <a:rPr lang="de-AT" dirty="0" err="1" smtClean="0">
@@ -4922,15 +5211,26 @@
                   <a:schemeClr val="bg1"/>
                 </a:solidFill>
               </a:rPr>
-              <a:t>StockPricesContainer</a:t>
-            </a:r>
-            <a:r>
-              <a:rPr lang="de-AT" dirty="0" smtClean="0">
-                <a:solidFill>
-                  <a:schemeClr val="bg1"/>
-                </a:solidFill>
-              </a:rPr>
-              <a:t>/</a:t>
+              <a:t>CompanyId</a:t>
+            </a:r>
+            <a:r>
+              <a:rPr lang="de-AT" dirty="0" smtClean="0">
+                <a:solidFill>
+                  <a:schemeClr val="bg1"/>
+                </a:solidFill>
+              </a:rPr>
+              <a:t>)</a:t>
+            </a:r>
+          </a:p>
+          <a:p>
+            <a:pPr lvl="2"/>
+            <a:r>
+              <a:rPr lang="de-AT" dirty="0" smtClean="0">
+                <a:solidFill>
+                  <a:schemeClr val="bg1"/>
+                </a:solidFill>
+              </a:rPr>
+              <a:t>Label-/</a:t>
             </a:r>
             <a:r>
               <a:rPr lang="de-AT" dirty="0" err="1" smtClean="0">
@@ -4938,26 +5238,15 @@
                   <a:schemeClr val="bg1"/>
                 </a:solidFill>
               </a:rPr>
-              <a:t>TradeOrdersContainer</a:t>
-            </a:r>
-            <a:r>
-              <a:rPr lang="de-AT" dirty="0" smtClean="0">
-                <a:solidFill>
-                  <a:schemeClr val="bg1"/>
-                </a:solidFill>
-              </a:rPr>
-              <a:t> </a:t>
-            </a:r>
-          </a:p>
-          <a:p>
-            <a:pPr lvl="1"/>
-            <a:r>
-              <a:rPr lang="de-AT" dirty="0" smtClean="0">
-                <a:solidFill>
-                  <a:schemeClr val="bg1"/>
-                </a:solidFill>
-              </a:rPr>
-              <a:t>Broker </a:t>
+              <a:t>TypeCoordinator</a:t>
+            </a:r>
+            <a:r>
+              <a:rPr lang="de-AT" dirty="0" smtClean="0">
+                <a:solidFill>
+                  <a:schemeClr val="bg1"/>
+                </a:solidFill>
+              </a:rPr>
+              <a:t>: Für </a:t>
             </a:r>
             <a:r>
               <a:rPr lang="de-AT" dirty="0" err="1" smtClean="0">
@@ -4965,23 +5254,15 @@
                   <a:schemeClr val="bg1"/>
                 </a:solidFill>
               </a:rPr>
-              <a:t>takes</a:t>
-            </a:r>
-            <a:r>
-              <a:rPr lang="de-AT" dirty="0" smtClean="0">
-                <a:solidFill>
-                  <a:schemeClr val="bg1"/>
-                </a:solidFill>
-              </a:rPr>
-              <a:t> mit „Infinite“-Timeout auf </a:t>
-            </a:r>
-            <a:r>
-              <a:rPr lang="de-AT" dirty="0" err="1" smtClean="0">
-                <a:solidFill>
-                  <a:schemeClr val="bg1"/>
-                </a:solidFill>
-              </a:rPr>
-              <a:t>BrokerSupportContainer</a:t>
+              <a:t>InvestorDepot</a:t>
+            </a:r>
+            <a:r>
+              <a:rPr lang="de-AT" dirty="0" smtClean="0">
+                <a:solidFill>
+                  <a:schemeClr val="bg1"/>
+                </a:solidFill>
+              </a:rPr>
+              <a:t> (Budget/Stocks in einem Depot)</a:t>
             </a:r>
             <a:endParaRPr lang="de-AT" dirty="0" smtClean="0">
               <a:solidFill>
@@ -4990,6 +5271,144 @@
             </a:endParaRPr>
           </a:p>
           <a:p>
+            <a:pPr lvl="1"/>
+            <a:r>
+              <a:rPr lang="de-AT" dirty="0" smtClean="0">
+                <a:solidFill>
+                  <a:schemeClr val="bg1"/>
+                </a:solidFill>
+              </a:rPr>
+              <a:t>Company- und Investor-Depots dynamisch erstellt, alle anderen </a:t>
+            </a:r>
+            <a:r>
+              <a:rPr lang="de-AT" dirty="0" err="1" smtClean="0">
+                <a:solidFill>
+                  <a:schemeClr val="bg1"/>
+                </a:solidFill>
+              </a:rPr>
+              <a:t>ContainerReferences</a:t>
+            </a:r>
+            <a:r>
+              <a:rPr lang="de-AT" dirty="0" smtClean="0">
+                <a:solidFill>
+                  <a:schemeClr val="bg1"/>
+                </a:solidFill>
+              </a:rPr>
+              <a:t> statisch bei </a:t>
+            </a:r>
+            <a:r>
+              <a:rPr lang="de-AT" dirty="0" err="1" smtClean="0">
+                <a:solidFill>
+                  <a:schemeClr val="bg1"/>
+                </a:solidFill>
+              </a:rPr>
+              <a:t>StartUp</a:t>
+            </a:r>
+            <a:endParaRPr lang="de-AT" dirty="0" smtClean="0">
+              <a:solidFill>
+                <a:schemeClr val="bg1"/>
+              </a:solidFill>
+            </a:endParaRPr>
+          </a:p>
+          <a:p>
+            <a:r>
+              <a:rPr lang="de-AT" dirty="0" smtClean="0">
+                <a:solidFill>
+                  <a:schemeClr val="bg1"/>
+                </a:solidFill>
+              </a:rPr>
+              <a:t>Post-Write </a:t>
+            </a:r>
+            <a:r>
+              <a:rPr lang="de-AT" dirty="0" err="1" smtClean="0">
+                <a:solidFill>
+                  <a:schemeClr val="bg1"/>
+                </a:solidFill>
+              </a:rPr>
+              <a:t>Aspects</a:t>
+            </a:r>
+            <a:r>
+              <a:rPr lang="de-AT" dirty="0" smtClean="0">
+                <a:solidFill>
+                  <a:schemeClr val="bg1"/>
+                </a:solidFill>
+              </a:rPr>
+              <a:t> auf </a:t>
+            </a:r>
+            <a:r>
+              <a:rPr lang="de-AT" dirty="0" err="1" smtClean="0">
+                <a:solidFill>
+                  <a:schemeClr val="bg1"/>
+                </a:solidFill>
+              </a:rPr>
+              <a:t>StockPricesContainer</a:t>
+            </a:r>
+            <a:r>
+              <a:rPr lang="de-AT" dirty="0" smtClean="0">
+                <a:solidFill>
+                  <a:schemeClr val="bg1"/>
+                </a:solidFill>
+              </a:rPr>
+              <a:t>/</a:t>
+            </a:r>
+            <a:r>
+              <a:rPr lang="de-AT" dirty="0" err="1" smtClean="0">
+                <a:solidFill>
+                  <a:schemeClr val="bg1"/>
+                </a:solidFill>
+              </a:rPr>
+              <a:t>TradeOrdersContainer</a:t>
+            </a:r>
+            <a:r>
+              <a:rPr lang="de-AT" dirty="0" smtClean="0">
+                <a:solidFill>
+                  <a:schemeClr val="bg1"/>
+                </a:solidFill>
+              </a:rPr>
+              <a:t> </a:t>
+            </a:r>
+          </a:p>
+          <a:p>
+            <a:pPr lvl="1"/>
+            <a:r>
+              <a:rPr lang="de-AT" dirty="0" smtClean="0">
+                <a:solidFill>
+                  <a:schemeClr val="bg1"/>
+                </a:solidFill>
+              </a:rPr>
+              <a:t>Broker </a:t>
+            </a:r>
+            <a:r>
+              <a:rPr lang="de-AT" dirty="0" err="1" smtClean="0">
+                <a:solidFill>
+                  <a:schemeClr val="bg1"/>
+                </a:solidFill>
+              </a:rPr>
+              <a:t>takes</a:t>
+            </a:r>
+            <a:r>
+              <a:rPr lang="de-AT" dirty="0" smtClean="0">
+                <a:solidFill>
+                  <a:schemeClr val="bg1"/>
+                </a:solidFill>
+              </a:rPr>
+              <a:t> mit „Infinite“-Timeout auf </a:t>
+            </a:r>
+            <a:r>
+              <a:rPr lang="de-AT" dirty="0" err="1" smtClean="0">
+                <a:solidFill>
+                  <a:schemeClr val="bg1"/>
+                </a:solidFill>
+              </a:rPr>
+              <a:t>BrokerSupportContainer</a:t>
+            </a:r>
+            <a:endParaRPr lang="de-AT" dirty="0" smtClean="0">
+              <a:solidFill>
+                <a:schemeClr val="bg1"/>
+              </a:solidFill>
+            </a:endParaRPr>
+          </a:p>
+          <a:p>
             <a:r>
               <a:rPr lang="de-AT" dirty="0" err="1" smtClean="0">
                 <a:solidFill>
@@ -5048,13 +5467,13 @@
       </p:sp>
       <p:sp>
         <p:nvSpPr>
-          <p:cNvPr id="4" name="Textfeld 3"/>
+          <p:cNvPr id="5" name="Textfeld 4"/>
           <p:cNvSpPr txBox="1"/>
           <p:nvPr/>
         </p:nvSpPr>
         <p:spPr>
           <a:xfrm>
-            <a:off x="987137" y="5870864"/>
+            <a:off x="953581" y="5929586"/>
             <a:ext cx="9608127" cy="830997"/>
           </a:xfrm>
           <a:prstGeom prst="rect">
@@ -5231,10 +5650,18 @@
             <a:r>
               <a:rPr lang="de-AT" dirty="0" smtClean="0">
                 <a:solidFill>
-                  <a:schemeClr val="bg1"/>
-                </a:solidFill>
-              </a:rPr>
-              <a:t>Containerfunktionalität simuliert durch </a:t>
+                  <a:schemeClr val="accent6"/>
+                </a:solidFill>
+              </a:rPr>
+              <a:t>Container</a:t>
+            </a:r>
+            <a:r>
+              <a:rPr lang="de-AT" dirty="0" smtClean="0">
+                <a:solidFill>
+                  <a:schemeClr val="bg1"/>
+                </a:solidFill>
+              </a:rPr>
+              <a:t>funktionalität simuliert durch </a:t>
             </a:r>
             <a:r>
               <a:rPr lang="de-AT" dirty="0" err="1" smtClean="0">
@@ -5307,10 +5734,18 @@
             <a:r>
               <a:rPr lang="de-AT" dirty="0" smtClean="0">
                 <a:solidFill>
-                  <a:schemeClr val="bg1"/>
-                </a:solidFill>
-              </a:rPr>
-              <a:t>Containers operieren auf Implementation von </a:t>
+                  <a:schemeClr val="accent6"/>
+                </a:solidFill>
+              </a:rPr>
+              <a:t>Container</a:t>
+            </a:r>
+            <a:r>
+              <a:rPr lang="de-AT" dirty="0" smtClean="0">
+                <a:solidFill>
+                  <a:schemeClr val="bg1"/>
+                </a:solidFill>
+              </a:rPr>
+              <a:t> operieren auf Implementation von </a:t>
             </a:r>
             <a:r>
               <a:rPr lang="de-AT" dirty="0" err="1" smtClean="0">
@@ -5374,7 +5809,23 @@
                   <a:schemeClr val="bg1"/>
                 </a:solidFill>
               </a:rPr>
-              <a:t>Company- und Investor-Depots dynamisch erstellt, alle anderen Container statisch bei </a:t>
+              <a:t>Company- und Investor-Depots dynamisch erstellt, alle anderen </a:t>
+            </a:r>
+            <a:r>
+              <a:rPr lang="de-AT" dirty="0" err="1" smtClean="0">
+                <a:solidFill>
+                  <a:schemeClr val="bg1"/>
+                </a:solidFill>
+              </a:rPr>
+              <a:t>IContainerProvider</a:t>
+            </a:r>
+            <a:r>
+              <a:rPr lang="de-AT" dirty="0" smtClean="0">
+                <a:solidFill>
+                  <a:schemeClr val="bg1"/>
+                </a:solidFill>
+              </a:rPr>
+              <a:t> statisch bei </a:t>
             </a:r>
             <a:r>
               <a:rPr lang="de-AT" dirty="0" err="1" smtClean="0">
@@ -5507,13 +5958,13 @@
       </p:sp>
       <p:sp>
         <p:nvSpPr>
-          <p:cNvPr id="4" name="Textfeld 3"/>
+          <p:cNvPr id="5" name="Textfeld 4"/>
           <p:cNvSpPr txBox="1"/>
           <p:nvPr/>
         </p:nvSpPr>
         <p:spPr>
           <a:xfrm>
-            <a:off x="987137" y="5870864"/>
+            <a:off x="953581" y="5929586"/>
             <a:ext cx="9608127" cy="830997"/>
           </a:xfrm>
           <a:prstGeom prst="rect">
@@ -5774,6 +6225,67 @@
                   <a:schemeClr val="bg1"/>
                 </a:solidFill>
               </a:rPr>
+              <a:t>-Ausgabe</a:t>
+            </a:r>
+          </a:p>
+          <a:p>
+            <a:r>
+              <a:rPr lang="de-AT" dirty="0" smtClean="0">
+                <a:solidFill>
+                  <a:schemeClr val="bg1"/>
+                </a:solidFill>
+              </a:rPr>
+              <a:t>Fondsmanager trägt sich mit Liste von Markt-</a:t>
+            </a:r>
+            <a:r>
+              <a:rPr lang="de-AT" dirty="0" err="1" smtClean="0">
+                <a:solidFill>
+                  <a:schemeClr val="bg1"/>
+                </a:solidFill>
+              </a:rPr>
+              <a:t>Addressen</a:t>
+            </a:r>
+            <a:r>
+              <a:rPr lang="de-AT" dirty="0" smtClean="0">
+                <a:solidFill>
+                  <a:schemeClr val="bg1"/>
+                </a:solidFill>
+              </a:rPr>
+              <a:t> in </a:t>
+            </a:r>
+            <a:r>
+              <a:rPr lang="de-AT" dirty="0" err="1" smtClean="0">
+                <a:solidFill>
+                  <a:schemeClr val="bg1"/>
+                </a:solidFill>
+              </a:rPr>
+              <a:t>FondsIndexContainer</a:t>
+            </a:r>
+            <a:r>
+              <a:rPr lang="de-AT" dirty="0" smtClean="0">
+                <a:solidFill>
+                  <a:schemeClr val="bg1"/>
+                </a:solidFill>
+              </a:rPr>
+              <a:t> ein</a:t>
+            </a:r>
+          </a:p>
+          <a:p>
+            <a:pPr lvl="1"/>
+            <a:r>
+              <a:rPr lang="de-AT" dirty="0" err="1" smtClean="0">
+                <a:solidFill>
+                  <a:schemeClr val="bg1"/>
+                </a:solidFill>
+              </a:rPr>
+              <a:t>MarketAgentService</a:t>
+            </a:r>
+            <a:r>
+              <a:rPr lang="de-AT" dirty="0" smtClean="0">
+                <a:solidFill>
+                  <a:schemeClr val="bg1"/>
+                </a:solidFill>
+              </a:rPr>
               <a:t> </a:t>
             </a:r>
             <a:r>
@@ -5782,38 +6294,34 @@
                   <a:schemeClr val="bg1"/>
                 </a:solidFill>
               </a:rPr>
-              <a:t>ausgabe</a:t>
-            </a:r>
-            <a:endParaRPr lang="de-AT" dirty="0" smtClean="0">
-              <a:solidFill>
-                <a:schemeClr val="bg1"/>
-              </a:solidFill>
-            </a:endParaRPr>
-          </a:p>
-          <a:p>
-            <a:r>
-              <a:rPr lang="de-AT" dirty="0" smtClean="0">
-                <a:solidFill>
-                  <a:schemeClr val="bg1"/>
-                </a:solidFill>
-              </a:rPr>
-              <a:t>Fondsmanager trägt sich mit Liste von Markt-</a:t>
-            </a:r>
+              <a:t>queriet</a:t>
+            </a:r>
+            <a:r>
+              <a:rPr lang="de-AT" dirty="0" smtClean="0">
+                <a:solidFill>
+                  <a:schemeClr val="bg1"/>
+                </a:solidFill>
+              </a:rPr>
+              <a:t> diesen Container und verbindet sich mit Fremd-Märkten</a:t>
+            </a:r>
+          </a:p>
+          <a:p>
+            <a:pPr lvl="1"/>
             <a:r>
               <a:rPr lang="de-AT" dirty="0" err="1" smtClean="0">
                 <a:solidFill>
                   <a:schemeClr val="bg1"/>
                 </a:solidFill>
               </a:rPr>
-              <a:t>Addressen</a:t>
-            </a:r>
-            <a:r>
-              <a:rPr lang="de-AT" dirty="0" smtClean="0">
-                <a:solidFill>
-                  <a:schemeClr val="bg1"/>
-                </a:solidFill>
-              </a:rPr>
-              <a:t> in </a:t>
+              <a:t>TradeVolume</a:t>
+            </a:r>
+            <a:r>
+              <a:rPr lang="de-AT" dirty="0" smtClean="0">
+                <a:solidFill>
+                  <a:schemeClr val="bg1"/>
+                </a:solidFill>
+              </a:rPr>
+              <a:t> wird statisch gespeichert und pro Markt aufsummiert und von Investor selbst per </a:t>
             </a:r>
             <a:r>
               <a:rPr lang="de-AT" dirty="0" err="1" smtClean="0">
@@ -5821,76 +6329,6 @@
                   <a:schemeClr val="bg1"/>
                 </a:solidFill>
               </a:rPr>
-              <a:t>FondsIndexContainer</a:t>
-            </a:r>
-            <a:r>
-              <a:rPr lang="de-AT" dirty="0" smtClean="0">
-                <a:solidFill>
-                  <a:schemeClr val="bg1"/>
-                </a:solidFill>
-              </a:rPr>
-              <a:t> ein</a:t>
-            </a:r>
-          </a:p>
-          <a:p>
-            <a:pPr lvl="1"/>
-            <a:r>
-              <a:rPr lang="de-AT" dirty="0" err="1" smtClean="0">
-                <a:solidFill>
-                  <a:schemeClr val="bg1"/>
-                </a:solidFill>
-              </a:rPr>
-              <a:t>MarketAgentService</a:t>
-            </a:r>
-            <a:r>
-              <a:rPr lang="de-AT" dirty="0" smtClean="0">
-                <a:solidFill>
-                  <a:schemeClr val="bg1"/>
-                </a:solidFill>
-              </a:rPr>
-              <a:t> </a:t>
-            </a:r>
-            <a:r>
-              <a:rPr lang="de-AT" dirty="0" err="1" smtClean="0">
-                <a:solidFill>
-                  <a:schemeClr val="bg1"/>
-                </a:solidFill>
-              </a:rPr>
-              <a:t>queriert</a:t>
-            </a:r>
-            <a:r>
-              <a:rPr lang="de-AT" dirty="0" smtClean="0">
-                <a:solidFill>
-                  <a:schemeClr val="bg1"/>
-                </a:solidFill>
-              </a:rPr>
-              <a:t> diesen Container und verbindet sich mit Fremd-Märkten</a:t>
-            </a:r>
-          </a:p>
-          <a:p>
-            <a:pPr lvl="1"/>
-            <a:r>
-              <a:rPr lang="de-AT" dirty="0" err="1" smtClean="0">
-                <a:solidFill>
-                  <a:schemeClr val="bg1"/>
-                </a:solidFill>
-              </a:rPr>
-              <a:t>TradeVolume</a:t>
-            </a:r>
-            <a:r>
-              <a:rPr lang="de-AT" dirty="0" smtClean="0">
-                <a:solidFill>
-                  <a:schemeClr val="bg1"/>
-                </a:solidFill>
-              </a:rPr>
-              <a:t> wird statisch gespeichert und pro Markt aufsummiert und in </a:t>
-            </a:r>
-            <a:r>
-              <a:rPr lang="de-AT" dirty="0" err="1" smtClean="0">
-                <a:solidFill>
-                  <a:schemeClr val="bg1"/>
-                </a:solidFill>
-              </a:rPr>
               <a:t>StockPriceContainer</a:t>
             </a:r>
             <a:r>
@@ -5899,7 +6337,7 @@
                   <a:schemeClr val="bg1"/>
                 </a:solidFill>
               </a:rPr>
-              <a:t> gesetzt.</a:t>
+              <a:t> direkt synchronisiert.</a:t>
             </a:r>
           </a:p>
           <a:p>
@@ -5945,13 +6383,13 @@
       </p:sp>
       <p:sp>
         <p:nvSpPr>
-          <p:cNvPr id="4" name="Textfeld 3"/>
+          <p:cNvPr id="5" name="Textfeld 4"/>
           <p:cNvSpPr txBox="1"/>
           <p:nvPr/>
         </p:nvSpPr>
         <p:spPr>
           <a:xfrm>
-            <a:off x="987137" y="5870864"/>
+            <a:off x="953581" y="5929586"/>
             <a:ext cx="9608127" cy="830997"/>
           </a:xfrm>
           <a:prstGeom prst="rect">
@@ -6121,7 +6559,7 @@
         </p:spPr>
         <p:txBody>
           <a:bodyPr>
-            <a:normAutofit/>
+            <a:normAutofit fontScale="92500" lnSpcReduction="20000"/>
           </a:bodyPr>
           <a:lstStyle/>
           <a:p>
@@ -6131,6 +6569,32 @@
                   <a:schemeClr val="bg1"/>
                 </a:solidFill>
               </a:rPr>
+              <a:t>Architektur:</a:t>
+            </a:r>
+          </a:p>
+          <a:p>
+            <a:pPr lvl="1"/>
+            <a:r>
+              <a:rPr lang="de-AT" dirty="0" smtClean="0">
+                <a:solidFill>
+                  <a:schemeClr val="bg1"/>
+                </a:solidFill>
+              </a:rPr>
+              <a:t>LOC: 1314 / Aufwand: 20h</a:t>
+            </a:r>
+            <a:endParaRPr lang="de-AT" dirty="0" smtClean="0">
+              <a:solidFill>
+                <a:schemeClr val="bg1"/>
+              </a:solidFill>
+            </a:endParaRPr>
+          </a:p>
+          <a:p>
+            <a:r>
+              <a:rPr lang="de-AT" dirty="0" smtClean="0">
+                <a:solidFill>
+                  <a:schemeClr val="bg1"/>
+                </a:solidFill>
+              </a:rPr>
               <a:t>Services:</a:t>
             </a:r>
           </a:p>
@@ -6142,18 +6606,68 @@
                   <a:schemeClr val="bg1"/>
                 </a:solidFill>
               </a:rPr>
-              <a:t>LOC/ZEIT</a:t>
-            </a:r>
-          </a:p>
-          <a:p>
-            <a:r>
-              <a:rPr lang="de-AT" dirty="0" smtClean="0">
-                <a:solidFill>
-                  <a:schemeClr val="bg1"/>
-                </a:solidFill>
-              </a:rPr>
-              <a:t>XVSM Implementierungen:</a:t>
-            </a:r>
+              <a:t>LOC: 761 </a:t>
+            </a:r>
+            <a:r>
+              <a:rPr lang="de-AT" dirty="0">
+                <a:solidFill>
+                  <a:schemeClr val="bg1"/>
+                </a:solidFill>
+              </a:rPr>
+              <a:t>/ Aufwand: </a:t>
+            </a:r>
+            <a:r>
+              <a:rPr lang="de-AT" dirty="0" smtClean="0">
+                <a:solidFill>
+                  <a:schemeClr val="bg1"/>
+                </a:solidFill>
+              </a:rPr>
+              <a:t>15h</a:t>
+            </a:r>
+            <a:endParaRPr lang="de-AT" dirty="0" smtClean="0">
+              <a:solidFill>
+                <a:schemeClr val="bg1"/>
+              </a:solidFill>
+            </a:endParaRPr>
+          </a:p>
+          <a:p>
+            <a:r>
+              <a:rPr lang="de-AT" dirty="0" smtClean="0">
+                <a:solidFill>
+                  <a:schemeClr val="bg1"/>
+                </a:solidFill>
+              </a:rPr>
+              <a:t>Space</a:t>
+            </a:r>
+            <a:r>
+              <a:rPr lang="de-AT" dirty="0" smtClean="0">
+                <a:solidFill>
+                  <a:schemeClr val="bg1"/>
+                </a:solidFill>
+              </a:rPr>
+              <a:t> Implementierungen (</a:t>
+            </a:r>
+            <a:r>
+              <a:rPr lang="de-AT" dirty="0" err="1" smtClean="0">
+                <a:solidFill>
+                  <a:schemeClr val="bg1"/>
+                </a:solidFill>
+              </a:rPr>
+              <a:t>Xvsm</a:t>
+            </a:r>
+            <a:r>
+              <a:rPr lang="de-AT" dirty="0" smtClean="0">
+                <a:solidFill>
+                  <a:schemeClr val="bg1"/>
+                </a:solidFill>
+              </a:rPr>
+              <a:t>):</a:t>
+            </a:r>
+            <a:endParaRPr lang="de-AT" dirty="0" smtClean="0">
+              <a:solidFill>
+                <a:schemeClr val="bg1"/>
+              </a:solidFill>
+            </a:endParaRPr>
           </a:p>
           <a:p>
             <a:pPr lvl="1"/>
@@ -6163,8 +6677,29 @@
                   <a:schemeClr val="bg1"/>
                 </a:solidFill>
               </a:rPr>
-              <a:t>LOC/ZEIT</a:t>
-            </a:r>
+              <a:t>LOC: 1394 </a:t>
+            </a:r>
+            <a:r>
+              <a:rPr lang="de-AT" dirty="0">
+                <a:solidFill>
+                  <a:schemeClr val="bg1"/>
+                </a:solidFill>
+              </a:rPr>
+              <a:t>/ Aufwand: </a:t>
+            </a:r>
+            <a:r>
+              <a:rPr lang="de-AT" dirty="0" smtClean="0">
+                <a:solidFill>
+                  <a:schemeClr val="bg1"/>
+                </a:solidFill>
+              </a:rPr>
+              <a:t>15h</a:t>
+            </a:r>
+            <a:endParaRPr lang="de-AT" dirty="0" smtClean="0">
+              <a:solidFill>
+                <a:schemeClr val="bg1"/>
+              </a:solidFill>
+            </a:endParaRPr>
           </a:p>
           <a:p>
             <a:r>
@@ -6184,17 +6719,62 @@
                   <a:schemeClr val="bg1"/>
                 </a:solidFill>
               </a:rPr>
-              <a:t>LOC/ZEIT</a:t>
-            </a:r>
-          </a:p>
-          <a:p>
-            <a:r>
-              <a:rPr lang="de-AT" dirty="0" smtClean="0">
-                <a:solidFill>
-                  <a:schemeClr val="bg1"/>
-                </a:solidFill>
-              </a:rPr>
-              <a:t>GUI/TUI:</a:t>
+              <a:t>LOC: 2089 </a:t>
+            </a:r>
+            <a:r>
+              <a:rPr lang="de-AT" dirty="0">
+                <a:solidFill>
+                  <a:schemeClr val="bg1"/>
+                </a:solidFill>
+              </a:rPr>
+              <a:t>/ Aufwand: </a:t>
+            </a:r>
+            <a:r>
+              <a:rPr lang="de-AT" dirty="0" smtClean="0">
+                <a:solidFill>
+                  <a:schemeClr val="bg1"/>
+                </a:solidFill>
+              </a:rPr>
+              <a:t>10h</a:t>
+            </a:r>
+            <a:endParaRPr lang="de-AT" dirty="0" smtClean="0">
+              <a:solidFill>
+                <a:schemeClr val="bg1"/>
+              </a:solidFill>
+            </a:endParaRPr>
+          </a:p>
+          <a:p>
+            <a:r>
+              <a:rPr lang="de-AT" dirty="0" smtClean="0">
+                <a:solidFill>
+                  <a:schemeClr val="bg1"/>
+                </a:solidFill>
+              </a:rPr>
+              <a:t>GUI/TUI (+Controller):</a:t>
+            </a:r>
+            <a:endParaRPr lang="de-AT" dirty="0" smtClean="0">
+              <a:solidFill>
+                <a:schemeClr val="bg1"/>
+              </a:solidFill>
+            </a:endParaRPr>
+          </a:p>
+          <a:p>
+            <a:pPr lvl="1"/>
+            <a:r>
+              <a:rPr lang="de-AT" dirty="0" smtClean="0">
+                <a:solidFill>
+                  <a:schemeClr val="bg1"/>
+                </a:solidFill>
+              </a:rPr>
+              <a:t>LOC: 1340 </a:t>
+            </a:r>
+            <a:r>
+              <a:rPr lang="de-AT" dirty="0" smtClean="0">
+                <a:solidFill>
+                  <a:schemeClr val="bg1"/>
+                </a:solidFill>
+              </a:rPr>
+              <a:t>/ Aufwand: 10h</a:t>
             </a:r>
             <a:endParaRPr lang="de-AT" dirty="0">
               <a:solidFill>
@@ -6206,13 +6786,13 @@
       </p:sp>
       <p:sp>
         <p:nvSpPr>
-          <p:cNvPr id="4" name="Textfeld 3"/>
+          <p:cNvPr id="5" name="Textfeld 4"/>
           <p:cNvSpPr txBox="1"/>
           <p:nvPr/>
         </p:nvSpPr>
         <p:spPr>
           <a:xfrm>
-            <a:off x="987137" y="5870864"/>
+            <a:off x="953581" y="5929586"/>
             <a:ext cx="9608127" cy="830997"/>
           </a:xfrm>
           <a:prstGeom prst="rect">
@@ -6411,8 +6991,21 @@
                   <a:schemeClr val="bg1"/>
                 </a:solidFill>
               </a:rPr>
-              <a:t>LOC/ZEIT</a:t>
-            </a:r>
+              <a:t>LOC: 30-50 </a:t>
+            </a:r>
+            <a:r>
+              <a:rPr lang="de-AT" dirty="0" smtClean="0">
+                <a:solidFill>
+                  <a:schemeClr val="bg1"/>
+                </a:solidFill>
+              </a:rPr>
+              <a:t>/ Aufwand: 2h</a:t>
+            </a:r>
+            <a:endParaRPr lang="de-AT" dirty="0" smtClean="0">
+              <a:solidFill>
+                <a:schemeClr val="bg1"/>
+              </a:solidFill>
+            </a:endParaRPr>
           </a:p>
           <a:p>
             <a:r>
@@ -6427,46 +7020,141 @@
           <a:p>
             <a:pPr lvl="1"/>
             <a:r>
-              <a:rPr lang="de-AT" dirty="0" smtClean="0">
-                <a:solidFill>
-                  <a:schemeClr val="bg1"/>
-                </a:solidFill>
-              </a:rPr>
-              <a:t>LOC/ZEIT</a:t>
-            </a:r>
-          </a:p>
-          <a:p>
-            <a:r>
-              <a:rPr lang="de-AT" dirty="0" smtClean="0">
-                <a:solidFill>
-                  <a:schemeClr val="bg1"/>
-                </a:solidFill>
-              </a:rPr>
-              <a:t>Multi-Market:</a:t>
+              <a:rPr lang="de-AT" dirty="0">
+                <a:solidFill>
+                  <a:schemeClr val="bg1"/>
+                </a:solidFill>
+              </a:rPr>
+              <a:t>LOC: </a:t>
+            </a:r>
+            <a:r>
+              <a:rPr lang="de-AT" dirty="0" smtClean="0">
+                <a:solidFill>
+                  <a:schemeClr val="bg1"/>
+                </a:solidFill>
+              </a:rPr>
+              <a:t>~130 </a:t>
+            </a:r>
+            <a:r>
+              <a:rPr lang="de-AT" dirty="0">
+                <a:solidFill>
+                  <a:schemeClr val="bg1"/>
+                </a:solidFill>
+              </a:rPr>
+              <a:t>/ Aufwand: </a:t>
+            </a:r>
+            <a:r>
+              <a:rPr lang="de-AT" dirty="0" smtClean="0">
+                <a:solidFill>
+                  <a:schemeClr val="bg1"/>
+                </a:solidFill>
+              </a:rPr>
+              <a:t>5h</a:t>
+            </a:r>
+            <a:endParaRPr lang="de-AT" dirty="0">
+              <a:solidFill>
+                <a:schemeClr val="bg1"/>
+              </a:solidFill>
+            </a:endParaRPr>
+          </a:p>
+          <a:p>
+            <a:r>
+              <a:rPr lang="de-AT" dirty="0" smtClean="0">
+                <a:solidFill>
+                  <a:schemeClr val="bg1"/>
+                </a:solidFill>
+              </a:rPr>
+              <a:t>Multi-Market</a:t>
+            </a:r>
+            <a:r>
+              <a:rPr lang="de-AT" dirty="0" smtClean="0">
+                <a:solidFill>
+                  <a:schemeClr val="bg1"/>
+                </a:solidFill>
+              </a:rPr>
+              <a:t>:</a:t>
             </a:r>
           </a:p>
           <a:p>
             <a:pPr lvl="1"/>
             <a:r>
-              <a:rPr lang="de-AT" dirty="0" smtClean="0">
-                <a:solidFill>
-                  <a:schemeClr val="bg1"/>
-                </a:solidFill>
-              </a:rPr>
-              <a:t>LOC/ZEIT</a:t>
-            </a:r>
-          </a:p>
-        </p:txBody>
-      </p:sp>
-      <p:sp>
-        <p:nvSpPr>
-          <p:cNvPr id="4" name="Textfeld 3"/>
+              <a:rPr lang="de-AT" dirty="0">
+                <a:solidFill>
+                  <a:schemeClr val="bg1"/>
+                </a:solidFill>
+              </a:rPr>
+              <a:t>LOC: </a:t>
+            </a:r>
+            <a:r>
+              <a:rPr lang="de-AT" dirty="0" smtClean="0">
+                <a:solidFill>
+                  <a:schemeClr val="bg1"/>
+                </a:solidFill>
+              </a:rPr>
+              <a:t>~300 </a:t>
+            </a:r>
+            <a:r>
+              <a:rPr lang="de-AT" dirty="0">
+                <a:solidFill>
+                  <a:schemeClr val="bg1"/>
+                </a:solidFill>
+              </a:rPr>
+              <a:t>/ Aufwand: </a:t>
+            </a:r>
+            <a:r>
+              <a:rPr lang="de-AT" dirty="0" smtClean="0">
+                <a:solidFill>
+                  <a:schemeClr val="bg1"/>
+                </a:solidFill>
+              </a:rPr>
+              <a:t>10h</a:t>
+            </a:r>
+          </a:p>
+          <a:p>
+            <a:pPr lvl="1"/>
+            <a:endParaRPr lang="de-AT" dirty="0">
+              <a:solidFill>
+                <a:schemeClr val="bg1"/>
+              </a:solidFill>
+            </a:endParaRPr>
+          </a:p>
+          <a:p>
+            <a:pPr marL="457200" lvl="1" indent="0">
+              <a:buNone/>
+            </a:pPr>
+            <a:r>
+              <a:rPr lang="de-AT" dirty="0" smtClean="0">
+                <a:solidFill>
+                  <a:schemeClr val="bg1"/>
+                </a:solidFill>
+              </a:rPr>
+              <a:t>				</a:t>
+            </a:r>
+            <a:r>
+              <a:rPr lang="de-AT" i="1" dirty="0" smtClean="0">
+                <a:solidFill>
+                  <a:srgbClr val="FF0000"/>
+                </a:solidFill>
+              </a:rPr>
+              <a:t>… alle Abschätzungen ohne manuellen Testen.</a:t>
+            </a:r>
+            <a:endParaRPr lang="de-AT" i="1" dirty="0">
+              <a:solidFill>
+                <a:srgbClr val="FF0000"/>
+              </a:solidFill>
+            </a:endParaRPr>
+          </a:p>
+        </p:txBody>
+      </p:sp>
+      <p:sp>
+        <p:nvSpPr>
+          <p:cNvPr id="5" name="Textfeld 4"/>
           <p:cNvSpPr txBox="1"/>
           <p:nvPr/>
         </p:nvSpPr>
         <p:spPr>
           <a:xfrm>
-            <a:off x="987137" y="5870864"/>
+            <a:off x="953581" y="5929586"/>
             <a:ext cx="9608127" cy="830997"/>
           </a:xfrm>
           <a:prstGeom prst="rect">

--- a/presentation/presentation.pptx
+++ b/presentation/presentation.pptx
@@ -274,7 +274,7 @@
           <a:p>
             <a:fld id="{762D6E93-319D-4B40-8A38-9B7D9F67D47A}" type="datetimeFigureOut">
               <a:rPr lang="de-AT" smtClean="0"/>
-              <a:t>20.06.2015</a:t>
+              <a:t>21.06.2015</a:t>
             </a:fld>
             <a:endParaRPr lang="de-AT"/>
           </a:p>
@@ -444,7 +444,7 @@
           <a:p>
             <a:fld id="{762D6E93-319D-4B40-8A38-9B7D9F67D47A}" type="datetimeFigureOut">
               <a:rPr lang="de-AT" smtClean="0"/>
-              <a:t>20.06.2015</a:t>
+              <a:t>21.06.2015</a:t>
             </a:fld>
             <a:endParaRPr lang="de-AT"/>
           </a:p>
@@ -624,7 +624,7 @@
           <a:p>
             <a:fld id="{762D6E93-319D-4B40-8A38-9B7D9F67D47A}" type="datetimeFigureOut">
               <a:rPr lang="de-AT" smtClean="0"/>
-              <a:t>20.06.2015</a:t>
+              <a:t>21.06.2015</a:t>
             </a:fld>
             <a:endParaRPr lang="de-AT"/>
           </a:p>
@@ -794,7 +794,7 @@
           <a:p>
             <a:fld id="{762D6E93-319D-4B40-8A38-9B7D9F67D47A}" type="datetimeFigureOut">
               <a:rPr lang="de-AT" smtClean="0"/>
-              <a:t>20.06.2015</a:t>
+              <a:t>21.06.2015</a:t>
             </a:fld>
             <a:endParaRPr lang="de-AT"/>
           </a:p>
@@ -1040,7 +1040,7 @@
           <a:p>
             <a:fld id="{762D6E93-319D-4B40-8A38-9B7D9F67D47A}" type="datetimeFigureOut">
               <a:rPr lang="de-AT" smtClean="0"/>
-              <a:t>20.06.2015</a:t>
+              <a:t>21.06.2015</a:t>
             </a:fld>
             <a:endParaRPr lang="de-AT"/>
           </a:p>
@@ -1272,7 +1272,7 @@
           <a:p>
             <a:fld id="{762D6E93-319D-4B40-8A38-9B7D9F67D47A}" type="datetimeFigureOut">
               <a:rPr lang="de-AT" smtClean="0"/>
-              <a:t>20.06.2015</a:t>
+              <a:t>21.06.2015</a:t>
             </a:fld>
             <a:endParaRPr lang="de-AT"/>
           </a:p>
@@ -1639,7 +1639,7 @@
           <a:p>
             <a:fld id="{762D6E93-319D-4B40-8A38-9B7D9F67D47A}" type="datetimeFigureOut">
               <a:rPr lang="de-AT" smtClean="0"/>
-              <a:t>20.06.2015</a:t>
+              <a:t>21.06.2015</a:t>
             </a:fld>
             <a:endParaRPr lang="de-AT"/>
           </a:p>
@@ -1757,7 +1757,7 @@
           <a:p>
             <a:fld id="{762D6E93-319D-4B40-8A38-9B7D9F67D47A}" type="datetimeFigureOut">
               <a:rPr lang="de-AT" smtClean="0"/>
-              <a:t>20.06.2015</a:t>
+              <a:t>21.06.2015</a:t>
             </a:fld>
             <a:endParaRPr lang="de-AT"/>
           </a:p>
@@ -1852,7 +1852,7 @@
           <a:p>
             <a:fld id="{762D6E93-319D-4B40-8A38-9B7D9F67D47A}" type="datetimeFigureOut">
               <a:rPr lang="de-AT" smtClean="0"/>
-              <a:t>20.06.2015</a:t>
+              <a:t>21.06.2015</a:t>
             </a:fld>
             <a:endParaRPr lang="de-AT"/>
           </a:p>
@@ -2129,7 +2129,7 @@
           <a:p>
             <a:fld id="{762D6E93-319D-4B40-8A38-9B7D9F67D47A}" type="datetimeFigureOut">
               <a:rPr lang="de-AT" smtClean="0"/>
-              <a:t>20.06.2015</a:t>
+              <a:t>21.06.2015</a:t>
             </a:fld>
             <a:endParaRPr lang="de-AT"/>
           </a:p>
@@ -2382,7 +2382,7 @@
           <a:p>
             <a:fld id="{762D6E93-319D-4B40-8A38-9B7D9F67D47A}" type="datetimeFigureOut">
               <a:rPr lang="de-AT" smtClean="0"/>
-              <a:t>20.06.2015</a:t>
+              <a:t>21.06.2015</a:t>
             </a:fld>
             <a:endParaRPr lang="de-AT"/>
           </a:p>
@@ -2604,7 +2604,7 @@
           <a:p>
             <a:fld id="{762D6E93-319D-4B40-8A38-9B7D9F67D47A}" type="datetimeFigureOut">
               <a:rPr lang="de-AT" smtClean="0"/>
-              <a:t>20.06.2015</a:t>
+              <a:t>21.06.2015</a:t>
             </a:fld>
             <a:endParaRPr lang="de-AT"/>
           </a:p>
@@ -3056,15 +3056,15 @@
           <a:lstStyle/>
           <a:p>
             <a:r>
-              <a:rPr lang="de-AT" dirty="0" smtClean="0">
-                <a:solidFill>
-                  <a:schemeClr val="bg1"/>
-                </a:solidFill>
-              </a:rPr>
-              <a:t>Space </a:t>
-            </a:r>
-            <a:r>
-              <a:rPr lang="de-AT" dirty="0" err="1" smtClean="0">
+              <a:rPr lang="de-AT" dirty="0">
+                <a:solidFill>
+                  <a:schemeClr val="bg1"/>
+                </a:solidFill>
+              </a:rPr>
+              <a:t>Verteiltes Programmieren mit Space </a:t>
+            </a:r>
+            <a:r>
+              <a:rPr lang="de-AT" dirty="0" err="1">
                 <a:solidFill>
                   <a:schemeClr val="bg1"/>
                 </a:solidFill>
@@ -3072,12 +3072,30 @@
               <a:t>Based</a:t>
             </a:r>
             <a:r>
-              <a:rPr lang="de-AT" dirty="0" smtClean="0">
-                <a:solidFill>
-                  <a:schemeClr val="bg1"/>
-                </a:solidFill>
-              </a:rPr>
-              <a:t> Computing SS15</a:t>
+              <a:rPr lang="de-AT" dirty="0">
+                <a:solidFill>
+                  <a:schemeClr val="bg1"/>
+                </a:solidFill>
+              </a:rPr>
+              <a:t> Computing </a:t>
+            </a:r>
+            <a:r>
+              <a:rPr lang="de-AT" dirty="0" smtClean="0">
+                <a:solidFill>
+                  <a:schemeClr val="bg1"/>
+                </a:solidFill>
+              </a:rPr>
+              <a:t>Middleware</a:t>
+            </a:r>
+          </a:p>
+          <a:p>
+            <a:r>
+              <a:rPr lang="de-AT" dirty="0" smtClean="0">
+                <a:solidFill>
+                  <a:schemeClr val="bg1"/>
+                </a:solidFill>
+              </a:rPr>
+              <a:t>SS 2015</a:t>
             </a:r>
             <a:endParaRPr lang="de-AT" dirty="0">
               <a:solidFill>
@@ -3275,7 +3293,23 @@
                   <a:schemeClr val="bg1"/>
                 </a:solidFill>
               </a:rPr>
-              <a:t>Architektur: Hohes Maß an Abstraktion nötig zur Elimination von Redundanzen in Haupt-/Alternativimplementierung </a:t>
+              <a:t>Architektur: Hohes Maß an Abstraktion nötig zur </a:t>
+            </a:r>
+            <a:r>
+              <a:rPr lang="de-AT" dirty="0" smtClean="0">
+                <a:solidFill>
+                  <a:schemeClr val="bg1"/>
+                </a:solidFill>
+              </a:rPr>
+              <a:t>Eliminierung </a:t>
+            </a:r>
+            <a:r>
+              <a:rPr lang="de-AT" dirty="0" smtClean="0">
+                <a:solidFill>
+                  <a:schemeClr val="bg1"/>
+                </a:solidFill>
+              </a:rPr>
+              <a:t>von Redundanzen in Haupt-/Alternativimplementierung </a:t>
             </a:r>
             <a:endParaRPr lang="de-AT" dirty="0">
               <a:solidFill>
@@ -3361,12 +3395,12 @@
               <a:buAutoNum type="arabicPeriod"/>
             </a:pPr>
             <a:r>
-              <a:rPr lang="de-AT" dirty="0">
-                <a:solidFill>
-                  <a:schemeClr val="bg1"/>
-                </a:solidFill>
-              </a:rPr>
-              <a:t>Neue </a:t>
+              <a:rPr lang="de-AT" dirty="0" smtClean="0">
+                <a:solidFill>
+                  <a:schemeClr val="bg1"/>
+                </a:solidFill>
+              </a:rPr>
+              <a:t>Neuen </a:t>
             </a:r>
             <a:r>
               <a:rPr lang="de-AT" dirty="0" err="1">
@@ -4258,15 +4292,7 @@
                   <a:schemeClr val="bg1"/>
                 </a:solidFill>
               </a:rPr>
-              <a:t> IDE / Java </a:t>
-            </a:r>
-            <a:r>
-              <a:rPr lang="de-AT" dirty="0" smtClean="0">
-                <a:solidFill>
-                  <a:schemeClr val="bg1"/>
-                </a:solidFill>
-              </a:rPr>
-              <a:t>1.8</a:t>
+              <a:t> IDE / Java 1.8</a:t>
             </a:r>
           </a:p>
           <a:p>
@@ -4300,15 +4326,7 @@
                   <a:schemeClr val="bg1"/>
                 </a:solidFill>
               </a:rPr>
-              <a:t>) für </a:t>
-            </a:r>
-            <a:r>
-              <a:rPr lang="de-AT" dirty="0" smtClean="0">
-                <a:solidFill>
-                  <a:schemeClr val="bg1"/>
-                </a:solidFill>
-              </a:rPr>
-              <a:t>Haupt-Implementierung</a:t>
+              <a:t>) für Haupt-Implementierung</a:t>
             </a:r>
           </a:p>
           <a:p>
@@ -4321,28 +4339,15 @@
               </a:rPr>
               <a:t>Erschien als natürliche Lösung für Problemstellung (Börsen-Raum mit Depots mit Einträgen)</a:t>
             </a:r>
-            <a:endParaRPr lang="de-AT" dirty="0" smtClean="0">
-              <a:solidFill>
-                <a:schemeClr val="bg1"/>
-              </a:solidFill>
-            </a:endParaRPr>
-          </a:p>
-          <a:p>
-            <a:r>
-              <a:rPr lang="de-AT" dirty="0" smtClean="0">
-                <a:solidFill>
-                  <a:schemeClr val="bg1"/>
-                </a:solidFill>
-              </a:rPr>
-              <a:t>RMI für </a:t>
-            </a:r>
-            <a:r>
-              <a:rPr lang="de-AT" dirty="0" smtClean="0">
-                <a:solidFill>
-                  <a:schemeClr val="bg1"/>
-                </a:solidFill>
-              </a:rPr>
-              <a:t>Alternativ-Implementierung</a:t>
+          </a:p>
+          <a:p>
+            <a:r>
+              <a:rPr lang="de-AT" dirty="0" smtClean="0">
+                <a:solidFill>
+                  <a:schemeClr val="bg1"/>
+                </a:solidFill>
+              </a:rPr>
+              <a:t>RMI für Alternativ-Implementierung</a:t>
             </a:r>
           </a:p>
           <a:p>
@@ -4353,29 +4358,16 @@
                   <a:schemeClr val="bg1"/>
                 </a:solidFill>
               </a:rPr>
-              <a:t>Bereits </a:t>
-            </a:r>
-            <a:r>
-              <a:rPr lang="de-AT" dirty="0">
-                <a:solidFill>
-                  <a:schemeClr val="bg1"/>
-                </a:solidFill>
-              </a:rPr>
-              <a:t>V</a:t>
-            </a:r>
-            <a:r>
-              <a:rPr lang="de-AT" dirty="0" smtClean="0">
-                <a:solidFill>
-                  <a:schemeClr val="bg1"/>
-                </a:solidFill>
-              </a:rPr>
-              <a:t>orerfahrungen mit RMI + komfortabler im Umgang als pure Sockets</a:t>
-            </a:r>
-            <a:endParaRPr lang="de-AT" dirty="0" smtClean="0">
-              <a:solidFill>
-                <a:schemeClr val="bg1"/>
-              </a:solidFill>
-            </a:endParaRPr>
+              <a:t>Bereits Erfahrungen </a:t>
+            </a:r>
+            <a:r>
+              <a:rPr lang="de-AT" dirty="0" smtClean="0">
+                <a:solidFill>
+                  <a:schemeClr val="bg1"/>
+                </a:solidFill>
+              </a:rPr>
+              <a:t>mit RMI + komfortabler im Umgang als pure Sockets</a:t>
+            </a:r>
           </a:p>
           <a:p>
             <a:r>
@@ -4400,7 +4392,15 @@
                   <a:schemeClr val="bg1"/>
                 </a:solidFill>
               </a:rPr>
-              <a:t>Buildsystem</a:t>
+              <a:t>Build</a:t>
+            </a:r>
+            <a:r>
+              <a:rPr lang="de-AT" dirty="0" smtClean="0">
+                <a:solidFill>
+                  <a:schemeClr val="bg1"/>
+                </a:solidFill>
+              </a:rPr>
+              <a:t>-System</a:t>
             </a:r>
             <a:endParaRPr lang="de-AT" dirty="0">
               <a:solidFill>
@@ -4696,8 +4696,21 @@
                   <a:schemeClr val="bg1"/>
                 </a:solidFill>
               </a:rPr>
-              <a:t>Services operieren auf Container</a:t>
-            </a:r>
+              <a:t>Services operieren auf </a:t>
+            </a:r>
+            <a:r>
+              <a:rPr lang="de-AT" dirty="0" smtClean="0">
+                <a:solidFill>
+                  <a:schemeClr val="bg1"/>
+                </a:solidFill>
+              </a:rPr>
+              <a:t>Containern</a:t>
+            </a:r>
+            <a:endParaRPr lang="de-AT" dirty="0" smtClean="0">
+              <a:solidFill>
+                <a:schemeClr val="bg1"/>
+              </a:solidFill>
+            </a:endParaRPr>
           </a:p>
           <a:p>
             <a:pPr lvl="1"/>
@@ -4758,7 +4771,15 @@
                   <a:schemeClr val="bg1"/>
                 </a:solidFill>
               </a:rPr>
-              <a:t>Subscriptions+Subscriber</a:t>
+              <a:t>Subscriptions</a:t>
+            </a:r>
+            <a:r>
+              <a:rPr lang="de-AT" dirty="0" smtClean="0">
+                <a:solidFill>
+                  <a:schemeClr val="bg1"/>
+                </a:solidFill>
+              </a:rPr>
+              <a:t> + Subscriber</a:t>
             </a:r>
             <a:r>
               <a:rPr lang="de-AT" dirty="0" smtClean="0">
@@ -4784,8 +4805,21 @@
                   <a:schemeClr val="bg1"/>
                 </a:solidFill>
               </a:rPr>
-              <a:t>-Klassen zur Containerverwaltung/Transaktionsmanagement</a:t>
-            </a:r>
+              <a:t>-Klassen zur </a:t>
+            </a:r>
+            <a:r>
+              <a:rPr lang="de-AT" dirty="0" smtClean="0">
+                <a:solidFill>
+                  <a:schemeClr val="bg1"/>
+                </a:solidFill>
+              </a:rPr>
+              <a:t>Containerverwaltung/Transaktions-management</a:t>
+            </a:r>
+            <a:endParaRPr lang="de-AT" dirty="0" smtClean="0">
+              <a:solidFill>
+                <a:schemeClr val="bg1"/>
+              </a:solidFill>
+            </a:endParaRPr>
           </a:p>
         </p:txBody>
       </p:sp>
@@ -5082,6 +5116,60 @@
               </a:rPr>
               <a:t>: </a:t>
             </a:r>
+          </a:p>
+          <a:p>
+            <a:pPr lvl="2"/>
+            <a:r>
+              <a:rPr lang="de-AT" dirty="0" smtClean="0">
+                <a:solidFill>
+                  <a:schemeClr val="bg1"/>
+                </a:solidFill>
+              </a:rPr>
+              <a:t>FIFO: wenn Reihenfolge/Resultatmenge egal</a:t>
+            </a:r>
+          </a:p>
+          <a:p>
+            <a:pPr lvl="2"/>
+            <a:r>
+              <a:rPr lang="de-AT" dirty="0" err="1" smtClean="0">
+                <a:solidFill>
+                  <a:schemeClr val="bg1"/>
+                </a:solidFill>
+              </a:rPr>
+              <a:t>QueryCoordinator</a:t>
+            </a:r>
+            <a:r>
+              <a:rPr lang="de-AT" dirty="0" smtClean="0">
+                <a:solidFill>
+                  <a:schemeClr val="bg1"/>
+                </a:solidFill>
+              </a:rPr>
+              <a:t>: </a:t>
+            </a:r>
+            <a:r>
+              <a:rPr lang="de-AT" dirty="0">
+                <a:solidFill>
+                  <a:schemeClr val="bg1"/>
+                </a:solidFill>
+              </a:rPr>
+              <a:t>F</a:t>
+            </a:r>
+            <a:r>
+              <a:rPr lang="de-AT" dirty="0" smtClean="0">
+                <a:solidFill>
+                  <a:schemeClr val="bg1"/>
+                </a:solidFill>
+              </a:rPr>
+              <a:t>ür </a:t>
+            </a:r>
+            <a:r>
+              <a:rPr lang="de-AT" dirty="0" err="1" smtClean="0">
+                <a:solidFill>
+                  <a:schemeClr val="bg1"/>
+                </a:solidFill>
+              </a:rPr>
+              <a:t>TradeOrders</a:t>
+            </a:r>
             <a:endParaRPr lang="de-AT" dirty="0" smtClean="0">
               <a:solidFill>
                 <a:schemeClr val="bg1"/>
@@ -5096,42 +5184,98 @@
                   <a:schemeClr val="bg1"/>
                 </a:solidFill>
               </a:rPr>
-              <a:t>FIFO: wenn Reihenfolge/Resultatmenge egal</a:t>
+              <a:t>Key-</a:t>
+            </a:r>
+            <a:r>
+              <a:rPr lang="de-AT" dirty="0">
+                <a:solidFill>
+                  <a:schemeClr val="bg1"/>
+                </a:solidFill>
+              </a:rPr>
+              <a:t>/</a:t>
+            </a:r>
+            <a:r>
+              <a:rPr lang="de-AT" dirty="0" err="1">
+                <a:solidFill>
+                  <a:schemeClr val="bg1"/>
+                </a:solidFill>
+              </a:rPr>
+              <a:t>QueryCoordinator</a:t>
+            </a:r>
+            <a:r>
+              <a:rPr lang="de-AT" dirty="0">
+                <a:solidFill>
+                  <a:schemeClr val="bg1"/>
+                </a:solidFill>
+              </a:rPr>
+              <a:t>: </a:t>
+            </a:r>
+            <a:r>
+              <a:rPr lang="de-AT" dirty="0" smtClean="0">
+                <a:solidFill>
+                  <a:schemeClr val="bg1"/>
+                </a:solidFill>
+              </a:rPr>
+              <a:t>Für </a:t>
+            </a:r>
+            <a:r>
+              <a:rPr lang="de-AT" dirty="0" err="1" smtClean="0">
+                <a:solidFill>
+                  <a:schemeClr val="bg1"/>
+                </a:solidFill>
+              </a:rPr>
+              <a:t>StockPrices</a:t>
+            </a:r>
+            <a:r>
+              <a:rPr lang="de-AT" dirty="0" smtClean="0">
+                <a:solidFill>
+                  <a:schemeClr val="bg1"/>
+                </a:solidFill>
+              </a:rPr>
+              <a:t> (identifizierbar per </a:t>
+            </a:r>
+            <a:r>
+              <a:rPr lang="de-AT" dirty="0" err="1" smtClean="0">
+                <a:solidFill>
+                  <a:schemeClr val="bg1"/>
+                </a:solidFill>
+              </a:rPr>
+              <a:t>CompanyId</a:t>
+            </a:r>
+            <a:r>
+              <a:rPr lang="de-AT" dirty="0" smtClean="0">
+                <a:solidFill>
+                  <a:schemeClr val="bg1"/>
+                </a:solidFill>
+              </a:rPr>
+              <a:t>)</a:t>
             </a:r>
           </a:p>
           <a:p>
             <a:pPr lvl="2"/>
             <a:r>
+              <a:rPr lang="de-AT" dirty="0" smtClean="0">
+                <a:solidFill>
+                  <a:schemeClr val="bg1"/>
+                </a:solidFill>
+              </a:rPr>
+              <a:t>Label-/</a:t>
+            </a:r>
+            <a:r>
               <a:rPr lang="de-AT" dirty="0" err="1" smtClean="0">
                 <a:solidFill>
                   <a:schemeClr val="bg1"/>
                 </a:solidFill>
               </a:rPr>
-              <a:t>QueryCoordinator</a:t>
-            </a:r>
-            <a:r>
-              <a:rPr lang="de-AT" dirty="0" smtClean="0">
-                <a:solidFill>
-                  <a:schemeClr val="bg1"/>
-                </a:solidFill>
-              </a:rPr>
-              <a:t>: </a:t>
-            </a:r>
-            <a:r>
-              <a:rPr lang="de-AT" dirty="0">
-                <a:solidFill>
-                  <a:schemeClr val="bg1"/>
-                </a:solidFill>
-              </a:rPr>
-              <a:t>F</a:t>
-            </a:r>
-            <a:r>
-              <a:rPr lang="de-AT" dirty="0" smtClean="0">
-                <a:solidFill>
-                  <a:schemeClr val="bg1"/>
-                </a:solidFill>
-              </a:rPr>
-              <a:t>ür </a:t>
+              <a:t>TypeCoordinator</a:t>
+            </a:r>
+            <a:r>
+              <a:rPr lang="de-AT" dirty="0" smtClean="0">
+                <a:solidFill>
+                  <a:schemeClr val="bg1"/>
+                </a:solidFill>
+              </a:rPr>
+              <a:t>: Für </a:t>
             </a:r>
             <a:r>
               <a:rPr lang="de-AT" dirty="0" err="1" smtClean="0">
@@ -5139,55 +5283,26 @@
                   <a:schemeClr val="bg1"/>
                 </a:solidFill>
               </a:rPr>
-              <a:t>TradeOrders</a:t>
-            </a:r>
-            <a:endParaRPr lang="de-AT" dirty="0" smtClean="0">
-              <a:solidFill>
-                <a:schemeClr val="bg1"/>
-              </a:solidFill>
-            </a:endParaRPr>
-          </a:p>
-          <a:p>
-            <a:pPr lvl="2"/>
-            <a:r>
-              <a:rPr lang="de-AT" dirty="0" smtClean="0">
-                <a:solidFill>
-                  <a:schemeClr val="bg1"/>
-                </a:solidFill>
-              </a:rPr>
-              <a:t>Key-</a:t>
-            </a:r>
-            <a:r>
-              <a:rPr lang="de-AT" dirty="0">
-                <a:solidFill>
-                  <a:schemeClr val="bg1"/>
-                </a:solidFill>
-              </a:rPr>
-              <a:t>/</a:t>
-            </a:r>
-            <a:r>
-              <a:rPr lang="de-AT" dirty="0" err="1">
-                <a:solidFill>
-                  <a:schemeClr val="bg1"/>
-                </a:solidFill>
-              </a:rPr>
-              <a:t>QueryCoordinator</a:t>
-            </a:r>
-            <a:r>
-              <a:rPr lang="de-AT" dirty="0">
-                <a:solidFill>
-                  <a:schemeClr val="bg1"/>
-                </a:solidFill>
-              </a:rPr>
-              <a:t>: </a:t>
-            </a:r>
-            <a:r>
-              <a:rPr lang="de-AT" dirty="0" smtClean="0">
-                <a:solidFill>
-                  <a:schemeClr val="bg1"/>
-                </a:solidFill>
-              </a:rPr>
-              <a:t>Für </a:t>
+              <a:t>InvestorDepot</a:t>
+            </a:r>
+            <a:r>
+              <a:rPr lang="de-AT" dirty="0" smtClean="0">
+                <a:solidFill>
+                  <a:schemeClr val="bg1"/>
+                </a:solidFill>
+              </a:rPr>
+              <a:t> (Budget/Stocks in einem Depot)</a:t>
+            </a:r>
+          </a:p>
+          <a:p>
+            <a:pPr lvl="1"/>
+            <a:r>
+              <a:rPr lang="de-AT" dirty="0" smtClean="0">
+                <a:solidFill>
+                  <a:schemeClr val="bg1"/>
+                </a:solidFill>
+              </a:rPr>
+              <a:t>Company- und Investor-Depots dynamisch erstellt, alle anderen </a:t>
             </a:r>
             <a:r>
               <a:rPr lang="de-AT" dirty="0" err="1" smtClean="0">
@@ -5195,97 +5310,6 @@
                   <a:schemeClr val="bg1"/>
                 </a:solidFill>
               </a:rPr>
-              <a:t>StockPrices</a:t>
-            </a:r>
-            <a:r>
-              <a:rPr lang="de-AT" dirty="0" smtClean="0">
-                <a:solidFill>
-                  <a:schemeClr val="bg1"/>
-                </a:solidFill>
-              </a:rPr>
-              <a:t> (identifizierbar per </a:t>
-            </a:r>
-            <a:r>
-              <a:rPr lang="de-AT" dirty="0" err="1" smtClean="0">
-                <a:solidFill>
-                  <a:schemeClr val="bg1"/>
-                </a:solidFill>
-              </a:rPr>
-              <a:t>CompanyId</a:t>
-            </a:r>
-            <a:r>
-              <a:rPr lang="de-AT" dirty="0" smtClean="0">
-                <a:solidFill>
-                  <a:schemeClr val="bg1"/>
-                </a:solidFill>
-              </a:rPr>
-              <a:t>)</a:t>
-            </a:r>
-          </a:p>
-          <a:p>
-            <a:pPr lvl="2"/>
-            <a:r>
-              <a:rPr lang="de-AT" dirty="0" smtClean="0">
-                <a:solidFill>
-                  <a:schemeClr val="bg1"/>
-                </a:solidFill>
-              </a:rPr>
-              <a:t>Label-/</a:t>
-            </a:r>
-            <a:r>
-              <a:rPr lang="de-AT" dirty="0" err="1" smtClean="0">
-                <a:solidFill>
-                  <a:schemeClr val="bg1"/>
-                </a:solidFill>
-              </a:rPr>
-              <a:t>TypeCoordinator</a:t>
-            </a:r>
-            <a:r>
-              <a:rPr lang="de-AT" dirty="0" smtClean="0">
-                <a:solidFill>
-                  <a:schemeClr val="bg1"/>
-                </a:solidFill>
-              </a:rPr>
-              <a:t>: Für </a:t>
-            </a:r>
-            <a:r>
-              <a:rPr lang="de-AT" dirty="0" err="1" smtClean="0">
-                <a:solidFill>
-                  <a:schemeClr val="bg1"/>
-                </a:solidFill>
-              </a:rPr>
-              <a:t>InvestorDepot</a:t>
-            </a:r>
-            <a:r>
-              <a:rPr lang="de-AT" dirty="0" smtClean="0">
-                <a:solidFill>
-                  <a:schemeClr val="bg1"/>
-                </a:solidFill>
-              </a:rPr>
-              <a:t> (Budget/Stocks in einem Depot)</a:t>
-            </a:r>
-            <a:endParaRPr lang="de-AT" dirty="0" smtClean="0">
-              <a:solidFill>
-                <a:schemeClr val="bg1"/>
-              </a:solidFill>
-            </a:endParaRPr>
-          </a:p>
-          <a:p>
-            <a:pPr lvl="1"/>
-            <a:r>
-              <a:rPr lang="de-AT" dirty="0" smtClean="0">
-                <a:solidFill>
-                  <a:schemeClr val="bg1"/>
-                </a:solidFill>
-              </a:rPr>
-              <a:t>Company- und Investor-Depots dynamisch erstellt, alle anderen </a:t>
-            </a:r>
-            <a:r>
-              <a:rPr lang="de-AT" dirty="0" err="1" smtClean="0">
-                <a:solidFill>
-                  <a:schemeClr val="bg1"/>
-                </a:solidFill>
-              </a:rPr>
               <a:t>ContainerReferences</a:t>
             </a:r>
             <a:r>
@@ -5297,12 +5321,12 @@
               <a:t> statisch bei </a:t>
             </a:r>
             <a:r>
-              <a:rPr lang="de-AT" dirty="0" err="1" smtClean="0">
-                <a:solidFill>
-                  <a:schemeClr val="bg1"/>
-                </a:solidFill>
-              </a:rPr>
-              <a:t>StartUp</a:t>
+              <a:rPr lang="de-AT" dirty="0" smtClean="0">
+                <a:solidFill>
+                  <a:schemeClr val="bg1"/>
+                </a:solidFill>
+              </a:rPr>
+              <a:t>Start-up</a:t>
             </a:r>
             <a:endParaRPr lang="de-AT" dirty="0" smtClean="0">
               <a:solidFill>
@@ -6294,15 +6318,23 @@
                   <a:schemeClr val="bg1"/>
                 </a:solidFill>
               </a:rPr>
-              <a:t>queriet</a:t>
-            </a:r>
-            <a:r>
-              <a:rPr lang="de-AT" dirty="0" smtClean="0">
-                <a:solidFill>
-                  <a:schemeClr val="bg1"/>
-                </a:solidFill>
-              </a:rPr>
-              <a:t> diesen Container und verbindet sich mit Fremd-Märkten</a:t>
+              <a:t>queried</a:t>
+            </a:r>
+            <a:r>
+              <a:rPr lang="de-AT" dirty="0" smtClean="0">
+                <a:solidFill>
+                  <a:schemeClr val="bg1"/>
+                </a:solidFill>
+              </a:rPr>
+              <a:t> </a:t>
+            </a:r>
+            <a:r>
+              <a:rPr lang="de-AT" dirty="0" smtClean="0">
+                <a:solidFill>
+                  <a:schemeClr val="bg1"/>
+                </a:solidFill>
+              </a:rPr>
+              <a:t>diesen Container und verbindet sich mit Fremd-Märkten</a:t>
             </a:r>
           </a:p>
           <a:p>
@@ -6321,7 +6353,23 @@
                   <a:schemeClr val="bg1"/>
                 </a:solidFill>
               </a:rPr>
-              <a:t> wird statisch gespeichert und pro Markt aufsummiert und von Investor selbst per </a:t>
+              <a:t> wird statisch </a:t>
+            </a:r>
+            <a:r>
+              <a:rPr lang="de-AT" dirty="0" smtClean="0">
+                <a:solidFill>
+                  <a:schemeClr val="bg1"/>
+                </a:solidFill>
+              </a:rPr>
+              <a:t>gespeichert, pro </a:t>
+            </a:r>
+            <a:r>
+              <a:rPr lang="de-AT" dirty="0" smtClean="0">
+                <a:solidFill>
+                  <a:schemeClr val="bg1"/>
+                </a:solidFill>
+              </a:rPr>
+              <a:t>Markt aufsummiert und von Investor selbst per </a:t>
             </a:r>
             <a:r>
               <a:rPr lang="de-AT" dirty="0" err="1" smtClean="0">
@@ -6582,11 +6630,6 @@
               </a:rPr>
               <a:t>LOC: 1314 / Aufwand: 20h</a:t>
             </a:r>
-            <a:endParaRPr lang="de-AT" dirty="0" smtClean="0">
-              <a:solidFill>
-                <a:schemeClr val="bg1"/>
-              </a:solidFill>
-            </a:endParaRPr>
           </a:p>
           <a:p>
             <a:r>
@@ -6624,28 +6667,23 @@
               </a:rPr>
               <a:t>15h</a:t>
             </a:r>
-            <a:endParaRPr lang="de-AT" dirty="0" smtClean="0">
-              <a:solidFill>
-                <a:schemeClr val="bg1"/>
-              </a:solidFill>
-            </a:endParaRPr>
-          </a:p>
-          <a:p>
-            <a:r>
-              <a:rPr lang="de-AT" dirty="0" smtClean="0">
-                <a:solidFill>
-                  <a:schemeClr val="bg1"/>
-                </a:solidFill>
-              </a:rPr>
-              <a:t>Space</a:t>
-            </a:r>
-            <a:r>
-              <a:rPr lang="de-AT" dirty="0" smtClean="0">
-                <a:solidFill>
-                  <a:schemeClr val="bg1"/>
-                </a:solidFill>
-              </a:rPr>
-              <a:t> Implementierungen (</a:t>
+          </a:p>
+          <a:p>
+            <a:r>
+              <a:rPr lang="de-AT" dirty="0" smtClean="0">
+                <a:solidFill>
+                  <a:schemeClr val="bg1"/>
+                </a:solidFill>
+              </a:rPr>
+              <a:t>Space-Implementierungen </a:t>
+            </a:r>
+            <a:r>
+              <a:rPr lang="de-AT" dirty="0" smtClean="0">
+                <a:solidFill>
+                  <a:schemeClr val="bg1"/>
+                </a:solidFill>
+              </a:rPr>
+              <a:t>(</a:t>
             </a:r>
             <a:r>
               <a:rPr lang="de-AT" dirty="0" err="1" smtClean="0">
@@ -6663,11 +6701,6 @@
               </a:rPr>
               <a:t>):</a:t>
             </a:r>
-            <a:endParaRPr lang="de-AT" dirty="0" smtClean="0">
-              <a:solidFill>
-                <a:schemeClr val="bg1"/>
-              </a:solidFill>
-            </a:endParaRPr>
           </a:p>
           <a:p>
             <a:pPr lvl="1"/>
@@ -6695,20 +6728,23 @@
               </a:rPr>
               <a:t>15h</a:t>
             </a:r>
-            <a:endParaRPr lang="de-AT" dirty="0" smtClean="0">
-              <a:solidFill>
-                <a:schemeClr val="bg1"/>
-              </a:solidFill>
-            </a:endParaRPr>
-          </a:p>
-          <a:p>
-            <a:r>
-              <a:rPr lang="de-AT" dirty="0" smtClean="0">
-                <a:solidFill>
-                  <a:schemeClr val="bg1"/>
-                </a:solidFill>
-              </a:rPr>
-              <a:t>Alternativ Implementierungen (RMI):</a:t>
+          </a:p>
+          <a:p>
+            <a:r>
+              <a:rPr lang="de-AT" dirty="0" smtClean="0">
+                <a:solidFill>
+                  <a:schemeClr val="bg1"/>
+                </a:solidFill>
+              </a:rPr>
+              <a:t>Alternativ-Implementierungen </a:t>
+            </a:r>
+            <a:r>
+              <a:rPr lang="de-AT" dirty="0" smtClean="0">
+                <a:solidFill>
+                  <a:schemeClr val="bg1"/>
+                </a:solidFill>
+              </a:rPr>
+              <a:t>(RMI):</a:t>
             </a:r>
           </a:p>
           <a:p>
@@ -6737,26 +6773,32 @@
               </a:rPr>
               <a:t>10h</a:t>
             </a:r>
-            <a:endParaRPr lang="de-AT" dirty="0" smtClean="0">
-              <a:solidFill>
-                <a:schemeClr val="bg1"/>
-              </a:solidFill>
-            </a:endParaRPr>
-          </a:p>
-          <a:p>
-            <a:r>
-              <a:rPr lang="de-AT" dirty="0" smtClean="0">
-                <a:solidFill>
-                  <a:schemeClr val="bg1"/>
-                </a:solidFill>
-              </a:rPr>
-              <a:t>GUI/TUI (+Controller):</a:t>
-            </a:r>
-            <a:endParaRPr lang="de-AT" dirty="0" smtClean="0">
-              <a:solidFill>
-                <a:schemeClr val="bg1"/>
-              </a:solidFill>
-            </a:endParaRPr>
+          </a:p>
+          <a:p>
+            <a:r>
+              <a:rPr lang="de-AT" dirty="0" smtClean="0">
+                <a:solidFill>
+                  <a:schemeClr val="bg1"/>
+                </a:solidFill>
+              </a:rPr>
+              <a:t>GUI/TUI </a:t>
+            </a:r>
+            <a:r>
+              <a:rPr lang="de-AT" dirty="0" smtClean="0">
+                <a:solidFill>
+                  <a:schemeClr val="bg1"/>
+                </a:solidFill>
+              </a:rPr>
+              <a:t>(+ Controller</a:t>
+            </a:r>
+            <a:r>
+              <a:rPr lang="de-AT" dirty="0" smtClean="0">
+                <a:solidFill>
+                  <a:schemeClr val="bg1"/>
+                </a:solidFill>
+              </a:rPr>
+              <a:t>):</a:t>
+            </a:r>
           </a:p>
           <a:p>
             <a:pPr lvl="1"/>
@@ -6766,15 +6808,7 @@
                   <a:schemeClr val="bg1"/>
                 </a:solidFill>
               </a:rPr>
-              <a:t>LOC: 1340 </a:t>
-            </a:r>
-            <a:r>
-              <a:rPr lang="de-AT" dirty="0" smtClean="0">
-                <a:solidFill>
-                  <a:schemeClr val="bg1"/>
-                </a:solidFill>
-              </a:rPr>
-              <a:t>/ Aufwand: 10h</a:t>
+              <a:t>LOC: 1340 / Aufwand: 10h</a:t>
             </a:r>
             <a:endParaRPr lang="de-AT" dirty="0">
               <a:solidFill>
@@ -6972,7 +7006,7 @@
                   <a:schemeClr val="bg1"/>
                 </a:solidFill>
               </a:rPr>
-              <a:t>Prioritity-TradeOrders</a:t>
+              <a:t>Priority-TradeOrders</a:t>
             </a:r>
             <a:r>
               <a:rPr lang="de-AT" dirty="0" smtClean="0">
@@ -6991,21 +7025,8 @@
                   <a:schemeClr val="bg1"/>
                 </a:solidFill>
               </a:rPr>
-              <a:t>LOC: 30-50 </a:t>
-            </a:r>
-            <a:r>
-              <a:rPr lang="de-AT" dirty="0" smtClean="0">
-                <a:solidFill>
-                  <a:schemeClr val="bg1"/>
-                </a:solidFill>
-              </a:rPr>
-              <a:t>/ Aufwand: 2h</a:t>
-            </a:r>
-            <a:endParaRPr lang="de-AT" dirty="0" smtClean="0">
-              <a:solidFill>
-                <a:schemeClr val="bg1"/>
-              </a:solidFill>
-            </a:endParaRPr>
+              <a:t>LOC: 30-50 / Aufwand: 2h</a:t>
+            </a:r>
           </a:p>
           <a:p>
             <a:r>
@@ -7064,15 +7085,7 @@
                   <a:schemeClr val="bg1"/>
                 </a:solidFill>
               </a:rPr>
-              <a:t>Multi-Market</a:t>
-            </a:r>
-            <a:r>
-              <a:rPr lang="de-AT" dirty="0" smtClean="0">
-                <a:solidFill>
-                  <a:schemeClr val="bg1"/>
-                </a:solidFill>
-              </a:rPr>
-              <a:t>:</a:t>
+              <a:t>Multi-Market:</a:t>
             </a:r>
           </a:p>
           <a:p>
@@ -7136,7 +7149,23 @@
                   <a:srgbClr val="FF0000"/>
                 </a:solidFill>
               </a:rPr>
-              <a:t>… alle Abschätzungen ohne manuellen Testen.</a:t>
+              <a:t>… alle Abschätzungen </a:t>
+            </a:r>
+            <a:r>
+              <a:rPr lang="de-AT" i="1" dirty="0" smtClean="0">
+                <a:solidFill>
+                  <a:srgbClr val="FF0000"/>
+                </a:solidFill>
+              </a:rPr>
+              <a:t>ohne </a:t>
+            </a:r>
+            <a:r>
+              <a:rPr lang="de-AT" i="1" dirty="0" smtClean="0">
+                <a:solidFill>
+                  <a:srgbClr val="FF0000"/>
+                </a:solidFill>
+              </a:rPr>
+              <a:t>Testaufwand.</a:t>
             </a:r>
             <a:endParaRPr lang="de-AT" i="1" dirty="0">
               <a:solidFill>
